--- a/assets/presentation.pptx
+++ b/assets/presentation.pptx
@@ -1,6 +1,6 @@
 
 <file path=ppt/presentation.xml><?xml version="1.0" encoding="utf-8"?>
-<p:presentation xmlns:a="http://schemas.openxmlformats.org/drawingml/2006/main" xmlns:r="http://schemas.openxmlformats.org/officeDocument/2006/relationships" xmlns:mc="http://schemas.openxmlformats.org/markup-compatibility/2006" xmlns:mv="urn:schemas-microsoft-com:mac:vml" xmlns:p="http://schemas.openxmlformats.org/presentationml/2006/main" xmlns:c="http://schemas.openxmlformats.org/drawingml/2006/chart" xmlns:dgm="http://schemas.openxmlformats.org/drawingml/2006/diagram" xmlns:o="urn:schemas-microsoft-com:office:office" xmlns:v="urn:schemas-microsoft-com:vml" xmlns:pvml="urn:schemas-microsoft-com:office:powerpoint" xmlns:com="http://schemas.openxmlformats.org/drawingml/2006/compatibility" xmlns:p14="http://schemas.microsoft.com/office/powerpoint/2010/main" xmlns:p15="http://schemas.microsoft.com/office/powerpoint/2012/main" xmlns:ahyp="http://schemas.microsoft.com/office/drawing/2018/hyperlinkcolor" autoCompressPictures="0" strictFirstAndLastChars="0" saveSubsetFonts="1">
+<p:presentation xmlns:a="http://schemas.openxmlformats.org/drawingml/2006/main" xmlns:r="http://schemas.openxmlformats.org/officeDocument/2006/relationships" xmlns:mc="http://schemas.openxmlformats.org/markup-compatibility/2006" xmlns:mv="urn:schemas-microsoft-com:mac:vml" xmlns:p="http://schemas.openxmlformats.org/presentationml/2006/main" xmlns:c="http://schemas.openxmlformats.org/drawingml/2006/chart" xmlns:dgm="http://schemas.openxmlformats.org/drawingml/2006/diagram" xmlns:o="urn:schemas-microsoft-com:office:office" xmlns:v="urn:schemas-microsoft-com:vml" xmlns:pvml="urn:schemas-microsoft-com:office:powerpoint" xmlns:com="http://schemas.openxmlformats.org/drawingml/2006/compatibility" xmlns:p14="http://schemas.microsoft.com/office/powerpoint/2010/main" xmlns:p15="http://schemas.microsoft.com/office/powerpoint/2012/main" xmlns:ahyp="http://schemas.microsoft.com/office/drawing/2018/hyperlinkcolor" autoCompressPictures="0" embedTrueTypeFonts="1" strictFirstAndLastChars="0" saveSubsetFonts="1">
   <p:sldMasterIdLst>
     <p:sldMasterId id="2147483659" r:id="rId4"/>
   </p:sldMasterIdLst>
@@ -9,9 +9,34 @@
   </p:notesMasterIdLst>
   <p:sldIdLst>
     <p:sldId id="256" r:id="rId6"/>
+    <p:sldId id="257" r:id="rId7"/>
+    <p:sldId id="258" r:id="rId8"/>
+    <p:sldId id="259" r:id="rId9"/>
+    <p:sldId id="260" r:id="rId10"/>
+    <p:sldId id="261" r:id="rId11"/>
+    <p:sldId id="262" r:id="rId12"/>
+    <p:sldId id="263" r:id="rId13"/>
+    <p:sldId id="264" r:id="rId14"/>
+    <p:sldId id="265" r:id="rId15"/>
   </p:sldIdLst>
   <p:sldSz cy="5143500" cx="9144000"/>
   <p:notesSz cx="6858000" cy="9144000"/>
+  <p:embeddedFontLst>
+    <p:embeddedFont>
+      <p:font typeface="Roboto"/>
+      <p:regular r:id="rId16"/>
+      <p:bold r:id="rId17"/>
+      <p:italic r:id="rId18"/>
+      <p:boldItalic r:id="rId19"/>
+    </p:embeddedFont>
+    <p:embeddedFont>
+      <p:font typeface="Montserrat"/>
+      <p:regular r:id="rId20"/>
+      <p:bold r:id="rId21"/>
+      <p:italic r:id="rId22"/>
+      <p:boldItalic r:id="rId23"/>
+    </p:embeddedFont>
+  </p:embeddedFontLst>
   <p:defaultTextStyle>
     <a:defPPr lvl="0" marR="0" rtl="0" algn="l">
       <a:lnSpc>
@@ -785,6 +810,2288 @@
 </p:notes>
 </file>
 
+<file path=ppt/notesSlides/notesSlide10.xml><?xml version="1.0" encoding="utf-8"?>
+<p:notes xmlns:a="http://schemas.openxmlformats.org/drawingml/2006/main" xmlns:r="http://schemas.openxmlformats.org/officeDocument/2006/relationships" xmlns:mc="http://schemas.openxmlformats.org/markup-compatibility/2006" xmlns:mv="urn:schemas-microsoft-com:mac:vml" xmlns:p="http://schemas.openxmlformats.org/presentationml/2006/main" xmlns:c="http://schemas.openxmlformats.org/drawingml/2006/chart" xmlns:dgm="http://schemas.openxmlformats.org/drawingml/2006/diagram" xmlns:o="urn:schemas-microsoft-com:office:office" xmlns:v="urn:schemas-microsoft-com:vml" xmlns:pvml="urn:schemas-microsoft-com:office:powerpoint" xmlns:com="http://schemas.openxmlformats.org/drawingml/2006/compatibility" xmlns:p14="http://schemas.microsoft.com/office/powerpoint/2010/main" xmlns:p15="http://schemas.microsoft.com/office/powerpoint/2012/main" xmlns:ahyp="http://schemas.microsoft.com/office/drawing/2018/hyperlinkcolor" showMasterPhAnim="0" showMasterSp="0">
+  <p:cSld>
+    <p:spTree>
+      <p:nvGrpSpPr>
+        <p:cNvPr id="105" name="Shape 105"/>
+        <p:cNvGrpSpPr/>
+        <p:nvPr/>
+      </p:nvGrpSpPr>
+      <p:grpSpPr>
+        <a:xfrm>
+          <a:off x="0" y="0"/>
+          <a:ext cx="0" cy="0"/>
+          <a:chOff x="0" y="0"/>
+          <a:chExt cx="0" cy="0"/>
+        </a:xfrm>
+      </p:grpSpPr>
+      <p:sp>
+        <p:nvSpPr>
+          <p:cNvPr id="106" name="Google Shape;106;g1053d0a866c_1_31:notes"/>
+          <p:cNvSpPr/>
+          <p:nvPr>
+            <p:ph idx="2" type="sldImg"/>
+          </p:nvPr>
+        </p:nvSpPr>
+        <p:spPr>
+          <a:xfrm>
+            <a:off x="381300" y="685800"/>
+            <a:ext cx="6096000" cy="3429000"/>
+          </a:xfrm>
+          <a:custGeom>
+            <a:rect b="b" l="l" r="r" t="t"/>
+            <a:pathLst>
+              <a:path extrusionOk="0" h="120000" w="120000">
+                <a:moveTo>
+                  <a:pt x="0" y="0"/>
+                </a:moveTo>
+                <a:lnTo>
+                  <a:pt x="120000" y="0"/>
+                </a:lnTo>
+                <a:lnTo>
+                  <a:pt x="120000" y="120000"/>
+                </a:lnTo>
+                <a:lnTo>
+                  <a:pt x="0" y="120000"/>
+                </a:lnTo>
+                <a:close/>
+              </a:path>
+            </a:pathLst>
+          </a:custGeom>
+        </p:spPr>
+      </p:sp>
+      <p:sp>
+        <p:nvSpPr>
+          <p:cNvPr id="107" name="Google Shape;107;g1053d0a866c_1_31:notes"/>
+          <p:cNvSpPr txBox="1"/>
+          <p:nvPr>
+            <p:ph idx="1" type="body"/>
+          </p:nvPr>
+        </p:nvSpPr>
+        <p:spPr>
+          <a:xfrm>
+            <a:off x="685800" y="4343400"/>
+            <a:ext cx="5486400" cy="4114800"/>
+          </a:xfrm>
+          <a:prstGeom prst="rect">
+            <a:avLst/>
+          </a:prstGeom>
+        </p:spPr>
+        <p:txBody>
+          <a:bodyPr anchorCtr="0" anchor="t" bIns="91425" lIns="91425" spcFirstLastPara="1" rIns="91425" wrap="square" tIns="91425">
+            <a:noAutofit/>
+          </a:bodyPr>
+          <a:lstStyle/>
+          <a:p>
+            <a:pPr indent="0" lvl="0" marL="0" rtl="0" algn="l">
+              <a:spcBef>
+                <a:spcPts val="0"/>
+              </a:spcBef>
+              <a:spcAft>
+                <a:spcPts val="0"/>
+              </a:spcAft>
+              <a:buNone/>
+            </a:pPr>
+            <a:r>
+              <a:t/>
+            </a:r>
+            <a:endParaRPr/>
+          </a:p>
+        </p:txBody>
+      </p:sp>
+    </p:spTree>
+  </p:cSld>
+  <p:clrMapOvr>
+    <a:masterClrMapping/>
+  </p:clrMapOvr>
+</p:notes>
+</file>
+
+<file path=ppt/notesSlides/notesSlide2.xml><?xml version="1.0" encoding="utf-8"?>
+<p:notes xmlns:a="http://schemas.openxmlformats.org/drawingml/2006/main" xmlns:r="http://schemas.openxmlformats.org/officeDocument/2006/relationships" xmlns:mc="http://schemas.openxmlformats.org/markup-compatibility/2006" xmlns:mv="urn:schemas-microsoft-com:mac:vml" xmlns:p="http://schemas.openxmlformats.org/presentationml/2006/main" xmlns:c="http://schemas.openxmlformats.org/drawingml/2006/chart" xmlns:dgm="http://schemas.openxmlformats.org/drawingml/2006/diagram" xmlns:o="urn:schemas-microsoft-com:office:office" xmlns:v="urn:schemas-microsoft-com:vml" xmlns:pvml="urn:schemas-microsoft-com:office:powerpoint" xmlns:com="http://schemas.openxmlformats.org/drawingml/2006/compatibility" xmlns:p14="http://schemas.microsoft.com/office/powerpoint/2010/main" xmlns:p15="http://schemas.microsoft.com/office/powerpoint/2012/main" xmlns:ahyp="http://schemas.microsoft.com/office/drawing/2018/hyperlinkcolor" showMasterPhAnim="0" showMasterSp="0">
+  <p:cSld>
+    <p:spTree>
+      <p:nvGrpSpPr>
+        <p:cNvPr id="56" name="Shape 56"/>
+        <p:cNvGrpSpPr/>
+        <p:nvPr/>
+      </p:nvGrpSpPr>
+      <p:grpSpPr>
+        <a:xfrm>
+          <a:off x="0" y="0"/>
+          <a:ext cx="0" cy="0"/>
+          <a:chOff x="0" y="0"/>
+          <a:chExt cx="0" cy="0"/>
+        </a:xfrm>
+      </p:grpSpPr>
+      <p:sp>
+        <p:nvSpPr>
+          <p:cNvPr id="57" name="Google Shape;57;g1053d0a866c_1_5:notes"/>
+          <p:cNvSpPr/>
+          <p:nvPr>
+            <p:ph idx="2" type="sldImg"/>
+          </p:nvPr>
+        </p:nvSpPr>
+        <p:spPr>
+          <a:xfrm>
+            <a:off x="381300" y="685800"/>
+            <a:ext cx="6096000" cy="3429000"/>
+          </a:xfrm>
+          <a:custGeom>
+            <a:rect b="b" l="l" r="r" t="t"/>
+            <a:pathLst>
+              <a:path extrusionOk="0" h="120000" w="120000">
+                <a:moveTo>
+                  <a:pt x="0" y="0"/>
+                </a:moveTo>
+                <a:lnTo>
+                  <a:pt x="120000" y="0"/>
+                </a:lnTo>
+                <a:lnTo>
+                  <a:pt x="120000" y="120000"/>
+                </a:lnTo>
+                <a:lnTo>
+                  <a:pt x="0" y="120000"/>
+                </a:lnTo>
+                <a:close/>
+              </a:path>
+            </a:pathLst>
+          </a:custGeom>
+        </p:spPr>
+      </p:sp>
+      <p:sp>
+        <p:nvSpPr>
+          <p:cNvPr id="58" name="Google Shape;58;g1053d0a866c_1_5:notes"/>
+          <p:cNvSpPr txBox="1"/>
+          <p:nvPr>
+            <p:ph idx="1" type="body"/>
+          </p:nvPr>
+        </p:nvSpPr>
+        <p:spPr>
+          <a:xfrm>
+            <a:off x="685800" y="4343400"/>
+            <a:ext cx="5486400" cy="4114800"/>
+          </a:xfrm>
+          <a:prstGeom prst="rect">
+            <a:avLst/>
+          </a:prstGeom>
+        </p:spPr>
+        <p:txBody>
+          <a:bodyPr anchorCtr="0" anchor="t" bIns="91425" lIns="91425" spcFirstLastPara="1" rIns="91425" wrap="square" tIns="91425">
+            <a:noAutofit/>
+          </a:bodyPr>
+          <a:lstStyle/>
+          <a:p>
+            <a:pPr indent="-298450" lvl="0" marL="457200" rtl="0" algn="l">
+              <a:lnSpc>
+                <a:spcPct val="115000"/>
+              </a:lnSpc>
+              <a:spcBef>
+                <a:spcPts val="0"/>
+              </a:spcBef>
+              <a:spcAft>
+                <a:spcPts val="0"/>
+              </a:spcAft>
+              <a:buSzPts val="1100"/>
+              <a:buChar char="●"/>
+            </a:pPr>
+            <a:r>
+              <a:rPr lang="en" sz="1200">
+                <a:solidFill>
+                  <a:schemeClr val="dk1"/>
+                </a:solidFill>
+                <a:latin typeface="Times New Roman"/>
+                <a:ea typeface="Times New Roman"/>
+                <a:cs typeface="Times New Roman"/>
+                <a:sym typeface="Times New Roman"/>
+              </a:rPr>
+              <a:t>Grading is already a time consuming and redundant task, and Moodle’s user interface doesn’t aid in making the grading process more efficient. </a:t>
+            </a:r>
+            <a:endParaRPr sz="1200">
+              <a:solidFill>
+                <a:schemeClr val="dk1"/>
+              </a:solidFill>
+              <a:latin typeface="Times New Roman"/>
+              <a:ea typeface="Times New Roman"/>
+              <a:cs typeface="Times New Roman"/>
+              <a:sym typeface="Times New Roman"/>
+            </a:endParaRPr>
+          </a:p>
+          <a:p>
+            <a:pPr indent="-304800" lvl="0" marL="457200" rtl="0" algn="l">
+              <a:lnSpc>
+                <a:spcPct val="115000"/>
+              </a:lnSpc>
+              <a:spcBef>
+                <a:spcPts val="0"/>
+              </a:spcBef>
+              <a:spcAft>
+                <a:spcPts val="0"/>
+              </a:spcAft>
+              <a:buClr>
+                <a:schemeClr val="dk1"/>
+              </a:buClr>
+              <a:buSzPts val="1200"/>
+              <a:buFont typeface="Times New Roman"/>
+              <a:buChar char="●"/>
+            </a:pPr>
+            <a:r>
+              <a:rPr lang="en" sz="1200">
+                <a:solidFill>
+                  <a:schemeClr val="dk1"/>
+                </a:solidFill>
+                <a:latin typeface="Times New Roman"/>
+                <a:ea typeface="Times New Roman"/>
+                <a:cs typeface="Times New Roman"/>
+                <a:sym typeface="Times New Roman"/>
+              </a:rPr>
+              <a:t>When you grade on Moodle you can either enter the feedback directly into Moodle’s web page or download a CSV file, edit/enter the feedback into the csv file, and then reupload it</a:t>
+            </a:r>
+            <a:endParaRPr sz="1200">
+              <a:solidFill>
+                <a:schemeClr val="dk1"/>
+              </a:solidFill>
+              <a:latin typeface="Times New Roman"/>
+              <a:ea typeface="Times New Roman"/>
+              <a:cs typeface="Times New Roman"/>
+              <a:sym typeface="Times New Roman"/>
+            </a:endParaRPr>
+          </a:p>
+          <a:p>
+            <a:pPr indent="-304800" lvl="0" marL="457200" rtl="0" algn="l">
+              <a:lnSpc>
+                <a:spcPct val="115000"/>
+              </a:lnSpc>
+              <a:spcBef>
+                <a:spcPts val="0"/>
+              </a:spcBef>
+              <a:spcAft>
+                <a:spcPts val="0"/>
+              </a:spcAft>
+              <a:buClr>
+                <a:schemeClr val="dk1"/>
+              </a:buClr>
+              <a:buSzPts val="1200"/>
+              <a:buFont typeface="Times New Roman"/>
+              <a:buChar char="●"/>
+            </a:pPr>
+            <a:r>
+              <a:rPr lang="en" sz="1200">
+                <a:solidFill>
+                  <a:schemeClr val="dk1"/>
+                </a:solidFill>
+                <a:latin typeface="Times New Roman"/>
+                <a:ea typeface="Times New Roman"/>
+                <a:cs typeface="Times New Roman"/>
+                <a:sym typeface="Times New Roman"/>
+              </a:rPr>
+              <a:t>One issue with both of these methods is that the feedback has to be manually entered each time, and the same feedback is often repeated on numerous student submissions. </a:t>
+            </a:r>
+            <a:endParaRPr sz="1200">
+              <a:solidFill>
+                <a:schemeClr val="dk1"/>
+              </a:solidFill>
+              <a:latin typeface="Times New Roman"/>
+              <a:ea typeface="Times New Roman"/>
+              <a:cs typeface="Times New Roman"/>
+              <a:sym typeface="Times New Roman"/>
+            </a:endParaRPr>
+          </a:p>
+          <a:p>
+            <a:pPr indent="-304800" lvl="0" marL="457200" rtl="0" algn="l">
+              <a:lnSpc>
+                <a:spcPct val="115000"/>
+              </a:lnSpc>
+              <a:spcBef>
+                <a:spcPts val="0"/>
+              </a:spcBef>
+              <a:spcAft>
+                <a:spcPts val="0"/>
+              </a:spcAft>
+              <a:buClr>
+                <a:schemeClr val="dk1"/>
+              </a:buClr>
+              <a:buSzPts val="1200"/>
+              <a:buFont typeface="Times New Roman"/>
+              <a:buChar char="●"/>
+            </a:pPr>
+            <a:r>
+              <a:rPr lang="en" sz="1200">
+                <a:solidFill>
+                  <a:schemeClr val="dk1"/>
+                </a:solidFill>
+                <a:latin typeface="Times New Roman"/>
+                <a:ea typeface="Times New Roman"/>
+                <a:cs typeface="Times New Roman"/>
+                <a:sym typeface="Times New Roman"/>
+              </a:rPr>
+              <a:t>Another issue, when entering feedback into the CSV file, is that you have to fit all the feedback into one line in a single cell. And, if a grader decides to change the number of points taken off for a specific mistake, they have to manually go back and change all of the scores for that specific mistake</a:t>
+            </a:r>
+            <a:endParaRPr sz="1200">
+              <a:solidFill>
+                <a:schemeClr val="dk1"/>
+              </a:solidFill>
+              <a:latin typeface="Times New Roman"/>
+              <a:ea typeface="Times New Roman"/>
+              <a:cs typeface="Times New Roman"/>
+              <a:sym typeface="Times New Roman"/>
+            </a:endParaRPr>
+          </a:p>
+        </p:txBody>
+      </p:sp>
+    </p:spTree>
+  </p:cSld>
+  <p:clrMapOvr>
+    <a:masterClrMapping/>
+  </p:clrMapOvr>
+</p:notes>
+</file>
+
+<file path=ppt/notesSlides/notesSlide3.xml><?xml version="1.0" encoding="utf-8"?>
+<p:notes xmlns:a="http://schemas.openxmlformats.org/drawingml/2006/main" xmlns:r="http://schemas.openxmlformats.org/officeDocument/2006/relationships" xmlns:mc="http://schemas.openxmlformats.org/markup-compatibility/2006" xmlns:mv="urn:schemas-microsoft-com:mac:vml" xmlns:p="http://schemas.openxmlformats.org/presentationml/2006/main" xmlns:c="http://schemas.openxmlformats.org/drawingml/2006/chart" xmlns:dgm="http://schemas.openxmlformats.org/drawingml/2006/diagram" xmlns:o="urn:schemas-microsoft-com:office:office" xmlns:v="urn:schemas-microsoft-com:vml" xmlns:pvml="urn:schemas-microsoft-com:office:powerpoint" xmlns:com="http://schemas.openxmlformats.org/drawingml/2006/compatibility" xmlns:p14="http://schemas.microsoft.com/office/powerpoint/2010/main" xmlns:p15="http://schemas.microsoft.com/office/powerpoint/2012/main" xmlns:ahyp="http://schemas.microsoft.com/office/drawing/2018/hyperlinkcolor" showMasterPhAnim="0" showMasterSp="0">
+  <p:cSld>
+    <p:spTree>
+      <p:nvGrpSpPr>
+        <p:cNvPr id="62" name="Shape 62"/>
+        <p:cNvGrpSpPr/>
+        <p:nvPr/>
+      </p:nvGrpSpPr>
+      <p:grpSpPr>
+        <a:xfrm>
+          <a:off x="0" y="0"/>
+          <a:ext cx="0" cy="0"/>
+          <a:chOff x="0" y="0"/>
+          <a:chExt cx="0" cy="0"/>
+        </a:xfrm>
+      </p:grpSpPr>
+      <p:sp>
+        <p:nvSpPr>
+          <p:cNvPr id="63" name="Google Shape;63;g1053d0a866c_1_10:notes"/>
+          <p:cNvSpPr/>
+          <p:nvPr>
+            <p:ph idx="2" type="sldImg"/>
+          </p:nvPr>
+        </p:nvSpPr>
+        <p:spPr>
+          <a:xfrm>
+            <a:off x="381300" y="685800"/>
+            <a:ext cx="6096000" cy="3429000"/>
+          </a:xfrm>
+          <a:custGeom>
+            <a:rect b="b" l="l" r="r" t="t"/>
+            <a:pathLst>
+              <a:path extrusionOk="0" h="120000" w="120000">
+                <a:moveTo>
+                  <a:pt x="0" y="0"/>
+                </a:moveTo>
+                <a:lnTo>
+                  <a:pt x="120000" y="0"/>
+                </a:lnTo>
+                <a:lnTo>
+                  <a:pt x="120000" y="120000"/>
+                </a:lnTo>
+                <a:lnTo>
+                  <a:pt x="0" y="120000"/>
+                </a:lnTo>
+                <a:close/>
+              </a:path>
+            </a:pathLst>
+          </a:custGeom>
+        </p:spPr>
+      </p:sp>
+      <p:sp>
+        <p:nvSpPr>
+          <p:cNvPr id="64" name="Google Shape;64;g1053d0a866c_1_10:notes"/>
+          <p:cNvSpPr txBox="1"/>
+          <p:nvPr>
+            <p:ph idx="1" type="body"/>
+          </p:nvPr>
+        </p:nvSpPr>
+        <p:spPr>
+          <a:xfrm>
+            <a:off x="685800" y="4343400"/>
+            <a:ext cx="5486400" cy="4114800"/>
+          </a:xfrm>
+          <a:prstGeom prst="rect">
+            <a:avLst/>
+          </a:prstGeom>
+        </p:spPr>
+        <p:txBody>
+          <a:bodyPr anchorCtr="0" anchor="t" bIns="91425" lIns="91425" spcFirstLastPara="1" rIns="91425" wrap="square" tIns="91425">
+            <a:noAutofit/>
+          </a:bodyPr>
+          <a:lstStyle/>
+          <a:p>
+            <a:pPr indent="-298450" lvl="0" marL="457200" rtl="0" algn="l">
+              <a:lnSpc>
+                <a:spcPct val="115000"/>
+              </a:lnSpc>
+              <a:spcBef>
+                <a:spcPts val="0"/>
+              </a:spcBef>
+              <a:spcAft>
+                <a:spcPts val="0"/>
+              </a:spcAft>
+              <a:buSzPts val="1100"/>
+              <a:buChar char="●"/>
+            </a:pPr>
+            <a:r>
+              <a:rPr lang="en" sz="1200">
+                <a:solidFill>
+                  <a:schemeClr val="dk1"/>
+                </a:solidFill>
+                <a:latin typeface="Times New Roman"/>
+                <a:ea typeface="Times New Roman"/>
+                <a:cs typeface="Times New Roman"/>
+                <a:sym typeface="Times New Roman"/>
+              </a:rPr>
+              <a:t>Make a web app where a student grader or professor would download an assignment’s CSV file from Moodle, upload it, and then our app will parse through the file to nicely display the CSV file</a:t>
+            </a:r>
+            <a:endParaRPr sz="1200">
+              <a:solidFill>
+                <a:schemeClr val="dk1"/>
+              </a:solidFill>
+              <a:latin typeface="Times New Roman"/>
+              <a:ea typeface="Times New Roman"/>
+              <a:cs typeface="Times New Roman"/>
+              <a:sym typeface="Times New Roman"/>
+            </a:endParaRPr>
+          </a:p>
+          <a:p>
+            <a:pPr indent="-304800" lvl="0" marL="457200" rtl="0" algn="l">
+              <a:lnSpc>
+                <a:spcPct val="115000"/>
+              </a:lnSpc>
+              <a:spcBef>
+                <a:spcPts val="0"/>
+              </a:spcBef>
+              <a:spcAft>
+                <a:spcPts val="0"/>
+              </a:spcAft>
+              <a:buClr>
+                <a:schemeClr val="dk1"/>
+              </a:buClr>
+              <a:buSzPts val="1200"/>
+              <a:buFont typeface="Times New Roman"/>
+              <a:buChar char="●"/>
+            </a:pPr>
+            <a:r>
+              <a:rPr lang="en" sz="1200">
+                <a:solidFill>
+                  <a:schemeClr val="dk1"/>
+                </a:solidFill>
+                <a:latin typeface="Times New Roman"/>
+                <a:ea typeface="Times New Roman"/>
+                <a:cs typeface="Times New Roman"/>
+                <a:sym typeface="Times New Roman"/>
+              </a:rPr>
+              <a:t>The application will display a full chart of the students’ full name, their Calvin email, their grade for the assignment, and the feedback</a:t>
+            </a:r>
+            <a:endParaRPr sz="1200">
+              <a:solidFill>
+                <a:schemeClr val="dk1"/>
+              </a:solidFill>
+              <a:latin typeface="Times New Roman"/>
+              <a:ea typeface="Times New Roman"/>
+              <a:cs typeface="Times New Roman"/>
+              <a:sym typeface="Times New Roman"/>
+            </a:endParaRPr>
+          </a:p>
+          <a:p>
+            <a:pPr indent="-304800" lvl="0" marL="457200" rtl="0" algn="l">
+              <a:lnSpc>
+                <a:spcPct val="115000"/>
+              </a:lnSpc>
+              <a:spcBef>
+                <a:spcPts val="0"/>
+              </a:spcBef>
+              <a:spcAft>
+                <a:spcPts val="0"/>
+              </a:spcAft>
+              <a:buClr>
+                <a:schemeClr val="dk1"/>
+              </a:buClr>
+              <a:buSzPts val="1200"/>
+              <a:buFont typeface="Times New Roman"/>
+              <a:buChar char="●"/>
+            </a:pPr>
+            <a:r>
+              <a:rPr lang="en" sz="1200">
+                <a:solidFill>
+                  <a:schemeClr val="dk1"/>
+                </a:solidFill>
+                <a:latin typeface="Times New Roman"/>
+                <a:ea typeface="Times New Roman"/>
+                <a:cs typeface="Times New Roman"/>
+                <a:sym typeface="Times New Roman"/>
+              </a:rPr>
+              <a:t>All of the feedback strings and their point values will be stored into a saved list</a:t>
+            </a:r>
+            <a:endParaRPr sz="1200">
+              <a:solidFill>
+                <a:schemeClr val="dk1"/>
+              </a:solidFill>
+              <a:latin typeface="Times New Roman"/>
+              <a:ea typeface="Times New Roman"/>
+              <a:cs typeface="Times New Roman"/>
+              <a:sym typeface="Times New Roman"/>
+            </a:endParaRPr>
+          </a:p>
+          <a:p>
+            <a:pPr indent="-304800" lvl="0" marL="457200" rtl="0" algn="l">
+              <a:lnSpc>
+                <a:spcPct val="115000"/>
+              </a:lnSpc>
+              <a:spcBef>
+                <a:spcPts val="0"/>
+              </a:spcBef>
+              <a:spcAft>
+                <a:spcPts val="0"/>
+              </a:spcAft>
+              <a:buClr>
+                <a:schemeClr val="dk1"/>
+              </a:buClr>
+              <a:buSzPts val="1200"/>
+              <a:buFont typeface="Times New Roman"/>
+              <a:buChar char="●"/>
+            </a:pPr>
+            <a:r>
+              <a:rPr lang="en" sz="1200">
+                <a:solidFill>
+                  <a:schemeClr val="dk1"/>
+                </a:solidFill>
+                <a:latin typeface="Times New Roman"/>
+                <a:ea typeface="Times New Roman"/>
+                <a:cs typeface="Times New Roman"/>
+                <a:sym typeface="Times New Roman"/>
+              </a:rPr>
+              <a:t>Using this list, a grader can then just check off the feedback that applies to each student’s submission</a:t>
+            </a:r>
+            <a:endParaRPr sz="1200">
+              <a:solidFill>
+                <a:schemeClr val="dk1"/>
+              </a:solidFill>
+              <a:latin typeface="Times New Roman"/>
+              <a:ea typeface="Times New Roman"/>
+              <a:cs typeface="Times New Roman"/>
+              <a:sym typeface="Times New Roman"/>
+            </a:endParaRPr>
+          </a:p>
+          <a:p>
+            <a:pPr indent="-304800" lvl="0" marL="457200" rtl="0" algn="l">
+              <a:lnSpc>
+                <a:spcPct val="115000"/>
+              </a:lnSpc>
+              <a:spcBef>
+                <a:spcPts val="0"/>
+              </a:spcBef>
+              <a:spcAft>
+                <a:spcPts val="0"/>
+              </a:spcAft>
+              <a:buClr>
+                <a:schemeClr val="dk1"/>
+              </a:buClr>
+              <a:buSzPts val="1200"/>
+              <a:buFont typeface="Times New Roman"/>
+              <a:buChar char="●"/>
+            </a:pPr>
+            <a:r>
+              <a:rPr lang="en" sz="1200">
+                <a:solidFill>
+                  <a:schemeClr val="dk1"/>
+                </a:solidFill>
+                <a:latin typeface="Times New Roman"/>
+                <a:ea typeface="Times New Roman"/>
+                <a:cs typeface="Times New Roman"/>
+                <a:sym typeface="Times New Roman"/>
+              </a:rPr>
+              <a:t>Our application will also keep track of the feedback given to each student, so if the grader modifies the custom feedback or the deduction value, if saved, the change will be reflected globally.</a:t>
+            </a:r>
+            <a:endParaRPr sz="1200">
+              <a:solidFill>
+                <a:schemeClr val="dk1"/>
+              </a:solidFill>
+              <a:latin typeface="Times New Roman"/>
+              <a:ea typeface="Times New Roman"/>
+              <a:cs typeface="Times New Roman"/>
+              <a:sym typeface="Times New Roman"/>
+            </a:endParaRPr>
+          </a:p>
+          <a:p>
+            <a:pPr indent="-304800" lvl="0" marL="457200" rtl="0" algn="l">
+              <a:lnSpc>
+                <a:spcPct val="115000"/>
+              </a:lnSpc>
+              <a:spcBef>
+                <a:spcPts val="0"/>
+              </a:spcBef>
+              <a:spcAft>
+                <a:spcPts val="0"/>
+              </a:spcAft>
+              <a:buClr>
+                <a:schemeClr val="dk1"/>
+              </a:buClr>
+              <a:buSzPts val="1200"/>
+              <a:buFont typeface="Times New Roman"/>
+              <a:buChar char="●"/>
+            </a:pPr>
+            <a:r>
+              <a:rPr lang="en" sz="1200">
+                <a:solidFill>
+                  <a:schemeClr val="dk1"/>
+                </a:solidFill>
+                <a:latin typeface="Times New Roman"/>
+                <a:ea typeface="Times New Roman"/>
+                <a:cs typeface="Times New Roman"/>
+                <a:sym typeface="Times New Roman"/>
+              </a:rPr>
+              <a:t>Finally, the application will also display assignment statistics: the frequency of each feedback, the average score, standard deviation, median, and mode</a:t>
+            </a:r>
+            <a:endParaRPr sz="1200">
+              <a:solidFill>
+                <a:schemeClr val="dk1"/>
+              </a:solidFill>
+              <a:latin typeface="Times New Roman"/>
+              <a:ea typeface="Times New Roman"/>
+              <a:cs typeface="Times New Roman"/>
+              <a:sym typeface="Times New Roman"/>
+            </a:endParaRPr>
+          </a:p>
+        </p:txBody>
+      </p:sp>
+    </p:spTree>
+  </p:cSld>
+  <p:clrMapOvr>
+    <a:masterClrMapping/>
+  </p:clrMapOvr>
+</p:notes>
+</file>
+
+<file path=ppt/notesSlides/notesSlide4.xml><?xml version="1.0" encoding="utf-8"?>
+<p:notes xmlns:a="http://schemas.openxmlformats.org/drawingml/2006/main" xmlns:r="http://schemas.openxmlformats.org/officeDocument/2006/relationships" xmlns:mc="http://schemas.openxmlformats.org/markup-compatibility/2006" xmlns:mv="urn:schemas-microsoft-com:mac:vml" xmlns:p="http://schemas.openxmlformats.org/presentationml/2006/main" xmlns:c="http://schemas.openxmlformats.org/drawingml/2006/chart" xmlns:dgm="http://schemas.openxmlformats.org/drawingml/2006/diagram" xmlns:o="urn:schemas-microsoft-com:office:office" xmlns:v="urn:schemas-microsoft-com:vml" xmlns:pvml="urn:schemas-microsoft-com:office:powerpoint" xmlns:com="http://schemas.openxmlformats.org/drawingml/2006/compatibility" xmlns:p14="http://schemas.microsoft.com/office/powerpoint/2010/main" xmlns:p15="http://schemas.microsoft.com/office/powerpoint/2012/main" xmlns:ahyp="http://schemas.microsoft.com/office/drawing/2018/hyperlinkcolor" showMasterPhAnim="0" showMasterSp="0">
+  <p:cSld>
+    <p:spTree>
+      <p:nvGrpSpPr>
+        <p:cNvPr id="70" name="Shape 70"/>
+        <p:cNvGrpSpPr/>
+        <p:nvPr/>
+      </p:nvGrpSpPr>
+      <p:grpSpPr>
+        <a:xfrm>
+          <a:off x="0" y="0"/>
+          <a:ext cx="0" cy="0"/>
+          <a:chOff x="0" y="0"/>
+          <a:chExt cx="0" cy="0"/>
+        </a:xfrm>
+      </p:grpSpPr>
+      <p:sp>
+        <p:nvSpPr>
+          <p:cNvPr id="71" name="Google Shape;71;g1053d0a866c_1_102:notes"/>
+          <p:cNvSpPr/>
+          <p:nvPr>
+            <p:ph idx="2" type="sldImg"/>
+          </p:nvPr>
+        </p:nvSpPr>
+        <p:spPr>
+          <a:xfrm>
+            <a:off x="381300" y="685800"/>
+            <a:ext cx="6096000" cy="3429000"/>
+          </a:xfrm>
+          <a:custGeom>
+            <a:rect b="b" l="l" r="r" t="t"/>
+            <a:pathLst>
+              <a:path extrusionOk="0" h="120000" w="120000">
+                <a:moveTo>
+                  <a:pt x="0" y="0"/>
+                </a:moveTo>
+                <a:lnTo>
+                  <a:pt x="120000" y="0"/>
+                </a:lnTo>
+                <a:lnTo>
+                  <a:pt x="120000" y="120000"/>
+                </a:lnTo>
+                <a:lnTo>
+                  <a:pt x="0" y="120000"/>
+                </a:lnTo>
+                <a:close/>
+              </a:path>
+            </a:pathLst>
+          </a:custGeom>
+        </p:spPr>
+      </p:sp>
+      <p:sp>
+        <p:nvSpPr>
+          <p:cNvPr id="72" name="Google Shape;72;g1053d0a866c_1_102:notes"/>
+          <p:cNvSpPr txBox="1"/>
+          <p:nvPr>
+            <p:ph idx="1" type="body"/>
+          </p:nvPr>
+        </p:nvSpPr>
+        <p:spPr>
+          <a:xfrm>
+            <a:off x="685800" y="4343400"/>
+            <a:ext cx="5486400" cy="4114800"/>
+          </a:xfrm>
+          <a:prstGeom prst="rect">
+            <a:avLst/>
+          </a:prstGeom>
+        </p:spPr>
+        <p:txBody>
+          <a:bodyPr anchorCtr="0" anchor="t" bIns="91425" lIns="91425" spcFirstLastPara="1" rIns="91425" wrap="square" tIns="91425">
+            <a:noAutofit/>
+          </a:bodyPr>
+          <a:lstStyle/>
+          <a:p>
+            <a:pPr indent="-298450" lvl="0" marL="457200" rtl="0" algn="l">
+              <a:lnSpc>
+                <a:spcPct val="115000"/>
+              </a:lnSpc>
+              <a:spcBef>
+                <a:spcPts val="0"/>
+              </a:spcBef>
+              <a:spcAft>
+                <a:spcPts val="0"/>
+              </a:spcAft>
+              <a:buSzPts val="1100"/>
+              <a:buChar char="●"/>
+            </a:pPr>
+            <a:r>
+              <a:rPr lang="en" sz="1200">
+                <a:solidFill>
+                  <a:schemeClr val="dk1"/>
+                </a:solidFill>
+                <a:latin typeface="Times New Roman"/>
+                <a:ea typeface="Times New Roman"/>
+                <a:cs typeface="Times New Roman"/>
+                <a:sym typeface="Times New Roman"/>
+              </a:rPr>
+              <a:t>Make a web app where a student grader or professor would download an assignment’s CSV file from Moodle, upload it, and then our app will parse through the file to nicely display the CSV file</a:t>
+            </a:r>
+            <a:endParaRPr sz="1200">
+              <a:solidFill>
+                <a:schemeClr val="dk1"/>
+              </a:solidFill>
+              <a:latin typeface="Times New Roman"/>
+              <a:ea typeface="Times New Roman"/>
+              <a:cs typeface="Times New Roman"/>
+              <a:sym typeface="Times New Roman"/>
+            </a:endParaRPr>
+          </a:p>
+          <a:p>
+            <a:pPr indent="-304800" lvl="0" marL="457200" rtl="0" algn="l">
+              <a:lnSpc>
+                <a:spcPct val="115000"/>
+              </a:lnSpc>
+              <a:spcBef>
+                <a:spcPts val="0"/>
+              </a:spcBef>
+              <a:spcAft>
+                <a:spcPts val="0"/>
+              </a:spcAft>
+              <a:buClr>
+                <a:schemeClr val="dk1"/>
+              </a:buClr>
+              <a:buSzPts val="1200"/>
+              <a:buFont typeface="Times New Roman"/>
+              <a:buChar char="●"/>
+            </a:pPr>
+            <a:r>
+              <a:rPr lang="en" sz="1200">
+                <a:solidFill>
+                  <a:schemeClr val="dk1"/>
+                </a:solidFill>
+                <a:latin typeface="Times New Roman"/>
+                <a:ea typeface="Times New Roman"/>
+                <a:cs typeface="Times New Roman"/>
+                <a:sym typeface="Times New Roman"/>
+              </a:rPr>
+              <a:t>The application will display a full chart of the students’ full name, their Calvin email, their grade for the assignment, and the feedback</a:t>
+            </a:r>
+            <a:endParaRPr sz="1200">
+              <a:solidFill>
+                <a:schemeClr val="dk1"/>
+              </a:solidFill>
+              <a:latin typeface="Times New Roman"/>
+              <a:ea typeface="Times New Roman"/>
+              <a:cs typeface="Times New Roman"/>
+              <a:sym typeface="Times New Roman"/>
+            </a:endParaRPr>
+          </a:p>
+          <a:p>
+            <a:pPr indent="-304800" lvl="0" marL="457200" rtl="0" algn="l">
+              <a:lnSpc>
+                <a:spcPct val="115000"/>
+              </a:lnSpc>
+              <a:spcBef>
+                <a:spcPts val="0"/>
+              </a:spcBef>
+              <a:spcAft>
+                <a:spcPts val="0"/>
+              </a:spcAft>
+              <a:buClr>
+                <a:schemeClr val="dk1"/>
+              </a:buClr>
+              <a:buSzPts val="1200"/>
+              <a:buFont typeface="Times New Roman"/>
+              <a:buChar char="●"/>
+            </a:pPr>
+            <a:r>
+              <a:rPr lang="en" sz="1200">
+                <a:solidFill>
+                  <a:schemeClr val="dk1"/>
+                </a:solidFill>
+                <a:latin typeface="Times New Roman"/>
+                <a:ea typeface="Times New Roman"/>
+                <a:cs typeface="Times New Roman"/>
+                <a:sym typeface="Times New Roman"/>
+              </a:rPr>
+              <a:t>All of the feedback strings and their point values will be stored into a saved list</a:t>
+            </a:r>
+            <a:endParaRPr sz="1200">
+              <a:solidFill>
+                <a:schemeClr val="dk1"/>
+              </a:solidFill>
+              <a:latin typeface="Times New Roman"/>
+              <a:ea typeface="Times New Roman"/>
+              <a:cs typeface="Times New Roman"/>
+              <a:sym typeface="Times New Roman"/>
+            </a:endParaRPr>
+          </a:p>
+          <a:p>
+            <a:pPr indent="-304800" lvl="0" marL="457200" rtl="0" algn="l">
+              <a:lnSpc>
+                <a:spcPct val="115000"/>
+              </a:lnSpc>
+              <a:spcBef>
+                <a:spcPts val="0"/>
+              </a:spcBef>
+              <a:spcAft>
+                <a:spcPts val="0"/>
+              </a:spcAft>
+              <a:buClr>
+                <a:schemeClr val="dk1"/>
+              </a:buClr>
+              <a:buSzPts val="1200"/>
+              <a:buFont typeface="Times New Roman"/>
+              <a:buChar char="●"/>
+            </a:pPr>
+            <a:r>
+              <a:rPr lang="en" sz="1200">
+                <a:solidFill>
+                  <a:schemeClr val="dk1"/>
+                </a:solidFill>
+                <a:latin typeface="Times New Roman"/>
+                <a:ea typeface="Times New Roman"/>
+                <a:cs typeface="Times New Roman"/>
+                <a:sym typeface="Times New Roman"/>
+              </a:rPr>
+              <a:t>Using this list, a grader can then just check off the feedback that applies to each student’s submission</a:t>
+            </a:r>
+            <a:endParaRPr sz="1200">
+              <a:solidFill>
+                <a:schemeClr val="dk1"/>
+              </a:solidFill>
+              <a:latin typeface="Times New Roman"/>
+              <a:ea typeface="Times New Roman"/>
+              <a:cs typeface="Times New Roman"/>
+              <a:sym typeface="Times New Roman"/>
+            </a:endParaRPr>
+          </a:p>
+          <a:p>
+            <a:pPr indent="-304800" lvl="0" marL="457200" rtl="0" algn="l">
+              <a:lnSpc>
+                <a:spcPct val="115000"/>
+              </a:lnSpc>
+              <a:spcBef>
+                <a:spcPts val="0"/>
+              </a:spcBef>
+              <a:spcAft>
+                <a:spcPts val="0"/>
+              </a:spcAft>
+              <a:buClr>
+                <a:schemeClr val="dk1"/>
+              </a:buClr>
+              <a:buSzPts val="1200"/>
+              <a:buFont typeface="Times New Roman"/>
+              <a:buChar char="●"/>
+            </a:pPr>
+            <a:r>
+              <a:rPr lang="en" sz="1200">
+                <a:solidFill>
+                  <a:schemeClr val="dk1"/>
+                </a:solidFill>
+                <a:latin typeface="Times New Roman"/>
+                <a:ea typeface="Times New Roman"/>
+                <a:cs typeface="Times New Roman"/>
+                <a:sym typeface="Times New Roman"/>
+              </a:rPr>
+              <a:t>Our application will also keep track of the feedback given to each student, so if the grader modifies the custom feedback or the deduction value, if saved, the change will be reflected globally.</a:t>
+            </a:r>
+            <a:endParaRPr sz="1200">
+              <a:solidFill>
+                <a:schemeClr val="dk1"/>
+              </a:solidFill>
+              <a:latin typeface="Times New Roman"/>
+              <a:ea typeface="Times New Roman"/>
+              <a:cs typeface="Times New Roman"/>
+              <a:sym typeface="Times New Roman"/>
+            </a:endParaRPr>
+          </a:p>
+          <a:p>
+            <a:pPr indent="-304800" lvl="0" marL="457200" rtl="0" algn="l">
+              <a:lnSpc>
+                <a:spcPct val="115000"/>
+              </a:lnSpc>
+              <a:spcBef>
+                <a:spcPts val="0"/>
+              </a:spcBef>
+              <a:spcAft>
+                <a:spcPts val="0"/>
+              </a:spcAft>
+              <a:buClr>
+                <a:schemeClr val="dk1"/>
+              </a:buClr>
+              <a:buSzPts val="1200"/>
+              <a:buFont typeface="Times New Roman"/>
+              <a:buChar char="●"/>
+            </a:pPr>
+            <a:r>
+              <a:rPr lang="en" sz="1200">
+                <a:solidFill>
+                  <a:schemeClr val="dk1"/>
+                </a:solidFill>
+                <a:latin typeface="Times New Roman"/>
+                <a:ea typeface="Times New Roman"/>
+                <a:cs typeface="Times New Roman"/>
+                <a:sym typeface="Times New Roman"/>
+              </a:rPr>
+              <a:t>Finally, the application will also display assignment statistics: the frequency of each feedback, the average score, standard deviation, median, and mode</a:t>
+            </a:r>
+            <a:endParaRPr sz="1200">
+              <a:solidFill>
+                <a:schemeClr val="dk1"/>
+              </a:solidFill>
+              <a:latin typeface="Times New Roman"/>
+              <a:ea typeface="Times New Roman"/>
+              <a:cs typeface="Times New Roman"/>
+              <a:sym typeface="Times New Roman"/>
+            </a:endParaRPr>
+          </a:p>
+        </p:txBody>
+      </p:sp>
+    </p:spTree>
+  </p:cSld>
+  <p:clrMapOvr>
+    <a:masterClrMapping/>
+  </p:clrMapOvr>
+</p:notes>
+</file>
+
+<file path=ppt/notesSlides/notesSlide5.xml><?xml version="1.0" encoding="utf-8"?>
+<p:notes xmlns:a="http://schemas.openxmlformats.org/drawingml/2006/main" xmlns:r="http://schemas.openxmlformats.org/officeDocument/2006/relationships" xmlns:mc="http://schemas.openxmlformats.org/markup-compatibility/2006" xmlns:mv="urn:schemas-microsoft-com:mac:vml" xmlns:p="http://schemas.openxmlformats.org/presentationml/2006/main" xmlns:c="http://schemas.openxmlformats.org/drawingml/2006/chart" xmlns:dgm="http://schemas.openxmlformats.org/drawingml/2006/diagram" xmlns:o="urn:schemas-microsoft-com:office:office" xmlns:v="urn:schemas-microsoft-com:vml" xmlns:pvml="urn:schemas-microsoft-com:office:powerpoint" xmlns:com="http://schemas.openxmlformats.org/drawingml/2006/compatibility" xmlns:p14="http://schemas.microsoft.com/office/powerpoint/2010/main" xmlns:p15="http://schemas.microsoft.com/office/powerpoint/2012/main" xmlns:ahyp="http://schemas.microsoft.com/office/drawing/2018/hyperlinkcolor" showMasterPhAnim="0" showMasterSp="0">
+  <p:cSld>
+    <p:spTree>
+      <p:nvGrpSpPr>
+        <p:cNvPr id="77" name="Shape 77"/>
+        <p:cNvGrpSpPr/>
+        <p:nvPr/>
+      </p:nvGrpSpPr>
+      <p:grpSpPr>
+        <a:xfrm>
+          <a:off x="0" y="0"/>
+          <a:ext cx="0" cy="0"/>
+          <a:chOff x="0" y="0"/>
+          <a:chExt cx="0" cy="0"/>
+        </a:xfrm>
+      </p:grpSpPr>
+      <p:sp>
+        <p:nvSpPr>
+          <p:cNvPr id="78" name="Google Shape;78;g1053d0a866c_1_86:notes"/>
+          <p:cNvSpPr/>
+          <p:nvPr>
+            <p:ph idx="2" type="sldImg"/>
+          </p:nvPr>
+        </p:nvSpPr>
+        <p:spPr>
+          <a:xfrm>
+            <a:off x="381300" y="685800"/>
+            <a:ext cx="6096000" cy="3429000"/>
+          </a:xfrm>
+          <a:custGeom>
+            <a:rect b="b" l="l" r="r" t="t"/>
+            <a:pathLst>
+              <a:path extrusionOk="0" h="120000" w="120000">
+                <a:moveTo>
+                  <a:pt x="0" y="0"/>
+                </a:moveTo>
+                <a:lnTo>
+                  <a:pt x="120000" y="0"/>
+                </a:lnTo>
+                <a:lnTo>
+                  <a:pt x="120000" y="120000"/>
+                </a:lnTo>
+                <a:lnTo>
+                  <a:pt x="0" y="120000"/>
+                </a:lnTo>
+                <a:close/>
+              </a:path>
+            </a:pathLst>
+          </a:custGeom>
+        </p:spPr>
+      </p:sp>
+      <p:sp>
+        <p:nvSpPr>
+          <p:cNvPr id="79" name="Google Shape;79;g1053d0a866c_1_86:notes"/>
+          <p:cNvSpPr txBox="1"/>
+          <p:nvPr>
+            <p:ph idx="1" type="body"/>
+          </p:nvPr>
+        </p:nvSpPr>
+        <p:spPr>
+          <a:xfrm>
+            <a:off x="685800" y="4343400"/>
+            <a:ext cx="5486400" cy="4114800"/>
+          </a:xfrm>
+          <a:prstGeom prst="rect">
+            <a:avLst/>
+          </a:prstGeom>
+        </p:spPr>
+        <p:txBody>
+          <a:bodyPr anchorCtr="0" anchor="t" bIns="91425" lIns="91425" spcFirstLastPara="1" rIns="91425" wrap="square" tIns="91425">
+            <a:noAutofit/>
+          </a:bodyPr>
+          <a:lstStyle/>
+          <a:p>
+            <a:pPr indent="-298450" lvl="0" marL="457200" rtl="0" algn="l">
+              <a:lnSpc>
+                <a:spcPct val="115000"/>
+              </a:lnSpc>
+              <a:spcBef>
+                <a:spcPts val="0"/>
+              </a:spcBef>
+              <a:spcAft>
+                <a:spcPts val="0"/>
+              </a:spcAft>
+              <a:buSzPts val="1100"/>
+              <a:buChar char="●"/>
+            </a:pPr>
+            <a:r>
+              <a:rPr lang="en" sz="1200">
+                <a:solidFill>
+                  <a:schemeClr val="dk1"/>
+                </a:solidFill>
+                <a:latin typeface="Times New Roman"/>
+                <a:ea typeface="Times New Roman"/>
+                <a:cs typeface="Times New Roman"/>
+                <a:sym typeface="Times New Roman"/>
+              </a:rPr>
+              <a:t>Make a web app where a student grader or professor would download an assignment’s CSV file from Moodle, upload it, and then our app will parse through the file to nicely display the CSV file</a:t>
+            </a:r>
+            <a:endParaRPr sz="1200">
+              <a:solidFill>
+                <a:schemeClr val="dk1"/>
+              </a:solidFill>
+              <a:latin typeface="Times New Roman"/>
+              <a:ea typeface="Times New Roman"/>
+              <a:cs typeface="Times New Roman"/>
+              <a:sym typeface="Times New Roman"/>
+            </a:endParaRPr>
+          </a:p>
+          <a:p>
+            <a:pPr indent="-304800" lvl="0" marL="457200" rtl="0" algn="l">
+              <a:lnSpc>
+                <a:spcPct val="115000"/>
+              </a:lnSpc>
+              <a:spcBef>
+                <a:spcPts val="0"/>
+              </a:spcBef>
+              <a:spcAft>
+                <a:spcPts val="0"/>
+              </a:spcAft>
+              <a:buClr>
+                <a:schemeClr val="dk1"/>
+              </a:buClr>
+              <a:buSzPts val="1200"/>
+              <a:buFont typeface="Times New Roman"/>
+              <a:buChar char="●"/>
+            </a:pPr>
+            <a:r>
+              <a:rPr lang="en" sz="1200">
+                <a:solidFill>
+                  <a:schemeClr val="dk1"/>
+                </a:solidFill>
+                <a:latin typeface="Times New Roman"/>
+                <a:ea typeface="Times New Roman"/>
+                <a:cs typeface="Times New Roman"/>
+                <a:sym typeface="Times New Roman"/>
+              </a:rPr>
+              <a:t>The application will display a full chart of the students’ full name, their Calvin email, their grade for the assignment, and the feedback</a:t>
+            </a:r>
+            <a:endParaRPr sz="1200">
+              <a:solidFill>
+                <a:schemeClr val="dk1"/>
+              </a:solidFill>
+              <a:latin typeface="Times New Roman"/>
+              <a:ea typeface="Times New Roman"/>
+              <a:cs typeface="Times New Roman"/>
+              <a:sym typeface="Times New Roman"/>
+            </a:endParaRPr>
+          </a:p>
+          <a:p>
+            <a:pPr indent="-304800" lvl="0" marL="457200" rtl="0" algn="l">
+              <a:lnSpc>
+                <a:spcPct val="115000"/>
+              </a:lnSpc>
+              <a:spcBef>
+                <a:spcPts val="0"/>
+              </a:spcBef>
+              <a:spcAft>
+                <a:spcPts val="0"/>
+              </a:spcAft>
+              <a:buClr>
+                <a:schemeClr val="dk1"/>
+              </a:buClr>
+              <a:buSzPts val="1200"/>
+              <a:buFont typeface="Times New Roman"/>
+              <a:buChar char="●"/>
+            </a:pPr>
+            <a:r>
+              <a:rPr lang="en" sz="1200">
+                <a:solidFill>
+                  <a:schemeClr val="dk1"/>
+                </a:solidFill>
+                <a:latin typeface="Times New Roman"/>
+                <a:ea typeface="Times New Roman"/>
+                <a:cs typeface="Times New Roman"/>
+                <a:sym typeface="Times New Roman"/>
+              </a:rPr>
+              <a:t>All of the feedback strings and their point values will be stored into a saved list</a:t>
+            </a:r>
+            <a:endParaRPr sz="1200">
+              <a:solidFill>
+                <a:schemeClr val="dk1"/>
+              </a:solidFill>
+              <a:latin typeface="Times New Roman"/>
+              <a:ea typeface="Times New Roman"/>
+              <a:cs typeface="Times New Roman"/>
+              <a:sym typeface="Times New Roman"/>
+            </a:endParaRPr>
+          </a:p>
+          <a:p>
+            <a:pPr indent="-304800" lvl="0" marL="457200" rtl="0" algn="l">
+              <a:lnSpc>
+                <a:spcPct val="115000"/>
+              </a:lnSpc>
+              <a:spcBef>
+                <a:spcPts val="0"/>
+              </a:spcBef>
+              <a:spcAft>
+                <a:spcPts val="0"/>
+              </a:spcAft>
+              <a:buClr>
+                <a:schemeClr val="dk1"/>
+              </a:buClr>
+              <a:buSzPts val="1200"/>
+              <a:buFont typeface="Times New Roman"/>
+              <a:buChar char="●"/>
+            </a:pPr>
+            <a:r>
+              <a:rPr lang="en" sz="1200">
+                <a:solidFill>
+                  <a:schemeClr val="dk1"/>
+                </a:solidFill>
+                <a:latin typeface="Times New Roman"/>
+                <a:ea typeface="Times New Roman"/>
+                <a:cs typeface="Times New Roman"/>
+                <a:sym typeface="Times New Roman"/>
+              </a:rPr>
+              <a:t>Using this list, a grader can then just check off the feedback that applies to each student’s submission</a:t>
+            </a:r>
+            <a:endParaRPr sz="1200">
+              <a:solidFill>
+                <a:schemeClr val="dk1"/>
+              </a:solidFill>
+              <a:latin typeface="Times New Roman"/>
+              <a:ea typeface="Times New Roman"/>
+              <a:cs typeface="Times New Roman"/>
+              <a:sym typeface="Times New Roman"/>
+            </a:endParaRPr>
+          </a:p>
+          <a:p>
+            <a:pPr indent="-304800" lvl="0" marL="457200" rtl="0" algn="l">
+              <a:lnSpc>
+                <a:spcPct val="115000"/>
+              </a:lnSpc>
+              <a:spcBef>
+                <a:spcPts val="0"/>
+              </a:spcBef>
+              <a:spcAft>
+                <a:spcPts val="0"/>
+              </a:spcAft>
+              <a:buClr>
+                <a:schemeClr val="dk1"/>
+              </a:buClr>
+              <a:buSzPts val="1200"/>
+              <a:buFont typeface="Times New Roman"/>
+              <a:buChar char="●"/>
+            </a:pPr>
+            <a:r>
+              <a:rPr lang="en" sz="1200">
+                <a:solidFill>
+                  <a:schemeClr val="dk1"/>
+                </a:solidFill>
+                <a:latin typeface="Times New Roman"/>
+                <a:ea typeface="Times New Roman"/>
+                <a:cs typeface="Times New Roman"/>
+                <a:sym typeface="Times New Roman"/>
+              </a:rPr>
+              <a:t>Our application will also keep track of the feedback given to each student, so if the grader modifies the custom feedback or the deduction value, if saved, the change will be reflected globally.</a:t>
+            </a:r>
+            <a:endParaRPr sz="1200">
+              <a:solidFill>
+                <a:schemeClr val="dk1"/>
+              </a:solidFill>
+              <a:latin typeface="Times New Roman"/>
+              <a:ea typeface="Times New Roman"/>
+              <a:cs typeface="Times New Roman"/>
+              <a:sym typeface="Times New Roman"/>
+            </a:endParaRPr>
+          </a:p>
+          <a:p>
+            <a:pPr indent="-304800" lvl="0" marL="457200" rtl="0" algn="l">
+              <a:lnSpc>
+                <a:spcPct val="115000"/>
+              </a:lnSpc>
+              <a:spcBef>
+                <a:spcPts val="0"/>
+              </a:spcBef>
+              <a:spcAft>
+                <a:spcPts val="0"/>
+              </a:spcAft>
+              <a:buClr>
+                <a:schemeClr val="dk1"/>
+              </a:buClr>
+              <a:buSzPts val="1200"/>
+              <a:buFont typeface="Times New Roman"/>
+              <a:buChar char="●"/>
+            </a:pPr>
+            <a:r>
+              <a:rPr lang="en" sz="1200">
+                <a:solidFill>
+                  <a:schemeClr val="dk1"/>
+                </a:solidFill>
+                <a:latin typeface="Times New Roman"/>
+                <a:ea typeface="Times New Roman"/>
+                <a:cs typeface="Times New Roman"/>
+                <a:sym typeface="Times New Roman"/>
+              </a:rPr>
+              <a:t>Finally, the application will also display assignment statistics: the frequency of each feedback, the average score, standard deviation, median, and mode</a:t>
+            </a:r>
+            <a:endParaRPr sz="1200">
+              <a:solidFill>
+                <a:schemeClr val="dk1"/>
+              </a:solidFill>
+              <a:latin typeface="Times New Roman"/>
+              <a:ea typeface="Times New Roman"/>
+              <a:cs typeface="Times New Roman"/>
+              <a:sym typeface="Times New Roman"/>
+            </a:endParaRPr>
+          </a:p>
+        </p:txBody>
+      </p:sp>
+    </p:spTree>
+  </p:cSld>
+  <p:clrMapOvr>
+    <a:masterClrMapping/>
+  </p:clrMapOvr>
+</p:notes>
+</file>
+
+<file path=ppt/notesSlides/notesSlide6.xml><?xml version="1.0" encoding="utf-8"?>
+<p:notes xmlns:a="http://schemas.openxmlformats.org/drawingml/2006/main" xmlns:r="http://schemas.openxmlformats.org/officeDocument/2006/relationships" xmlns:mc="http://schemas.openxmlformats.org/markup-compatibility/2006" xmlns:mv="urn:schemas-microsoft-com:mac:vml" xmlns:p="http://schemas.openxmlformats.org/presentationml/2006/main" xmlns:c="http://schemas.openxmlformats.org/drawingml/2006/chart" xmlns:dgm="http://schemas.openxmlformats.org/drawingml/2006/diagram" xmlns:o="urn:schemas-microsoft-com:office:office" xmlns:v="urn:schemas-microsoft-com:vml" xmlns:pvml="urn:schemas-microsoft-com:office:powerpoint" xmlns:com="http://schemas.openxmlformats.org/drawingml/2006/compatibility" xmlns:p14="http://schemas.microsoft.com/office/powerpoint/2010/main" xmlns:p15="http://schemas.microsoft.com/office/powerpoint/2012/main" xmlns:ahyp="http://schemas.microsoft.com/office/drawing/2018/hyperlinkcolor" showMasterPhAnim="0" showMasterSp="0">
+  <p:cSld>
+    <p:spTree>
+      <p:nvGrpSpPr>
+        <p:cNvPr id="82" name="Shape 82"/>
+        <p:cNvGrpSpPr/>
+        <p:nvPr/>
+      </p:nvGrpSpPr>
+      <p:grpSpPr>
+        <a:xfrm>
+          <a:off x="0" y="0"/>
+          <a:ext cx="0" cy="0"/>
+          <a:chOff x="0" y="0"/>
+          <a:chExt cx="0" cy="0"/>
+        </a:xfrm>
+      </p:grpSpPr>
+      <p:sp>
+        <p:nvSpPr>
+          <p:cNvPr id="83" name="Google Shape;83;g1032cbf1e65_0_2:notes"/>
+          <p:cNvSpPr/>
+          <p:nvPr>
+            <p:ph idx="2" type="sldImg"/>
+          </p:nvPr>
+        </p:nvSpPr>
+        <p:spPr>
+          <a:xfrm>
+            <a:off x="381300" y="685800"/>
+            <a:ext cx="6096000" cy="3429000"/>
+          </a:xfrm>
+          <a:custGeom>
+            <a:rect b="b" l="l" r="r" t="t"/>
+            <a:pathLst>
+              <a:path extrusionOk="0" h="120000" w="120000">
+                <a:moveTo>
+                  <a:pt x="0" y="0"/>
+                </a:moveTo>
+                <a:lnTo>
+                  <a:pt x="120000" y="0"/>
+                </a:lnTo>
+                <a:lnTo>
+                  <a:pt x="120000" y="120000"/>
+                </a:lnTo>
+                <a:lnTo>
+                  <a:pt x="0" y="120000"/>
+                </a:lnTo>
+                <a:close/>
+              </a:path>
+            </a:pathLst>
+          </a:custGeom>
+        </p:spPr>
+      </p:sp>
+      <p:sp>
+        <p:nvSpPr>
+          <p:cNvPr id="84" name="Google Shape;84;g1032cbf1e65_0_2:notes"/>
+          <p:cNvSpPr txBox="1"/>
+          <p:nvPr>
+            <p:ph idx="1" type="body"/>
+          </p:nvPr>
+        </p:nvSpPr>
+        <p:spPr>
+          <a:xfrm>
+            <a:off x="685800" y="4343400"/>
+            <a:ext cx="5486400" cy="4114800"/>
+          </a:xfrm>
+          <a:prstGeom prst="rect">
+            <a:avLst/>
+          </a:prstGeom>
+        </p:spPr>
+        <p:txBody>
+          <a:bodyPr anchorCtr="0" anchor="t" bIns="91425" lIns="91425" spcFirstLastPara="1" rIns="91425" wrap="square" tIns="91425">
+            <a:noAutofit/>
+          </a:bodyPr>
+          <a:lstStyle/>
+          <a:p>
+            <a:pPr indent="-298450" lvl="0" marL="457200" rtl="0" algn="l">
+              <a:lnSpc>
+                <a:spcPct val="115000"/>
+              </a:lnSpc>
+              <a:spcBef>
+                <a:spcPts val="0"/>
+              </a:spcBef>
+              <a:spcAft>
+                <a:spcPts val="0"/>
+              </a:spcAft>
+              <a:buSzPts val="1100"/>
+              <a:buChar char="●"/>
+            </a:pPr>
+            <a:r>
+              <a:rPr lang="en" sz="1200">
+                <a:solidFill>
+                  <a:schemeClr val="dk1"/>
+                </a:solidFill>
+                <a:latin typeface="Times New Roman"/>
+                <a:ea typeface="Times New Roman"/>
+                <a:cs typeface="Times New Roman"/>
+                <a:sym typeface="Times New Roman"/>
+              </a:rPr>
+              <a:t>Make a web app where a student grader or professor would download an assignment’s CSV file from Moodle, upload it, and then our app will parse through the file to nicely display the CSV file</a:t>
+            </a:r>
+            <a:endParaRPr sz="1200">
+              <a:solidFill>
+                <a:schemeClr val="dk1"/>
+              </a:solidFill>
+              <a:latin typeface="Times New Roman"/>
+              <a:ea typeface="Times New Roman"/>
+              <a:cs typeface="Times New Roman"/>
+              <a:sym typeface="Times New Roman"/>
+            </a:endParaRPr>
+          </a:p>
+          <a:p>
+            <a:pPr indent="-304800" lvl="0" marL="457200" rtl="0" algn="l">
+              <a:lnSpc>
+                <a:spcPct val="115000"/>
+              </a:lnSpc>
+              <a:spcBef>
+                <a:spcPts val="0"/>
+              </a:spcBef>
+              <a:spcAft>
+                <a:spcPts val="0"/>
+              </a:spcAft>
+              <a:buClr>
+                <a:schemeClr val="dk1"/>
+              </a:buClr>
+              <a:buSzPts val="1200"/>
+              <a:buFont typeface="Times New Roman"/>
+              <a:buChar char="●"/>
+            </a:pPr>
+            <a:r>
+              <a:rPr lang="en" sz="1200">
+                <a:solidFill>
+                  <a:schemeClr val="dk1"/>
+                </a:solidFill>
+                <a:latin typeface="Times New Roman"/>
+                <a:ea typeface="Times New Roman"/>
+                <a:cs typeface="Times New Roman"/>
+                <a:sym typeface="Times New Roman"/>
+              </a:rPr>
+              <a:t>The application will display a full chart of the students’ full name, their Calvin email, their grade for the assignment, and the feedback</a:t>
+            </a:r>
+            <a:endParaRPr sz="1200">
+              <a:solidFill>
+                <a:schemeClr val="dk1"/>
+              </a:solidFill>
+              <a:latin typeface="Times New Roman"/>
+              <a:ea typeface="Times New Roman"/>
+              <a:cs typeface="Times New Roman"/>
+              <a:sym typeface="Times New Roman"/>
+            </a:endParaRPr>
+          </a:p>
+          <a:p>
+            <a:pPr indent="-304800" lvl="0" marL="457200" rtl="0" algn="l">
+              <a:lnSpc>
+                <a:spcPct val="115000"/>
+              </a:lnSpc>
+              <a:spcBef>
+                <a:spcPts val="0"/>
+              </a:spcBef>
+              <a:spcAft>
+                <a:spcPts val="0"/>
+              </a:spcAft>
+              <a:buClr>
+                <a:schemeClr val="dk1"/>
+              </a:buClr>
+              <a:buSzPts val="1200"/>
+              <a:buFont typeface="Times New Roman"/>
+              <a:buChar char="●"/>
+            </a:pPr>
+            <a:r>
+              <a:rPr lang="en" sz="1200">
+                <a:solidFill>
+                  <a:schemeClr val="dk1"/>
+                </a:solidFill>
+                <a:latin typeface="Times New Roman"/>
+                <a:ea typeface="Times New Roman"/>
+                <a:cs typeface="Times New Roman"/>
+                <a:sym typeface="Times New Roman"/>
+              </a:rPr>
+              <a:t>All of the feedback strings and their point values will be stored into a saved list</a:t>
+            </a:r>
+            <a:endParaRPr sz="1200">
+              <a:solidFill>
+                <a:schemeClr val="dk1"/>
+              </a:solidFill>
+              <a:latin typeface="Times New Roman"/>
+              <a:ea typeface="Times New Roman"/>
+              <a:cs typeface="Times New Roman"/>
+              <a:sym typeface="Times New Roman"/>
+            </a:endParaRPr>
+          </a:p>
+          <a:p>
+            <a:pPr indent="-304800" lvl="0" marL="457200" rtl="0" algn="l">
+              <a:lnSpc>
+                <a:spcPct val="115000"/>
+              </a:lnSpc>
+              <a:spcBef>
+                <a:spcPts val="0"/>
+              </a:spcBef>
+              <a:spcAft>
+                <a:spcPts val="0"/>
+              </a:spcAft>
+              <a:buClr>
+                <a:schemeClr val="dk1"/>
+              </a:buClr>
+              <a:buSzPts val="1200"/>
+              <a:buFont typeface="Times New Roman"/>
+              <a:buChar char="●"/>
+            </a:pPr>
+            <a:r>
+              <a:rPr lang="en" sz="1200">
+                <a:solidFill>
+                  <a:schemeClr val="dk1"/>
+                </a:solidFill>
+                <a:latin typeface="Times New Roman"/>
+                <a:ea typeface="Times New Roman"/>
+                <a:cs typeface="Times New Roman"/>
+                <a:sym typeface="Times New Roman"/>
+              </a:rPr>
+              <a:t>Using this list, a grader can then just check off the feedback that applies to each student’s submission</a:t>
+            </a:r>
+            <a:endParaRPr sz="1200">
+              <a:solidFill>
+                <a:schemeClr val="dk1"/>
+              </a:solidFill>
+              <a:latin typeface="Times New Roman"/>
+              <a:ea typeface="Times New Roman"/>
+              <a:cs typeface="Times New Roman"/>
+              <a:sym typeface="Times New Roman"/>
+            </a:endParaRPr>
+          </a:p>
+          <a:p>
+            <a:pPr indent="-304800" lvl="0" marL="457200" rtl="0" algn="l">
+              <a:lnSpc>
+                <a:spcPct val="115000"/>
+              </a:lnSpc>
+              <a:spcBef>
+                <a:spcPts val="0"/>
+              </a:spcBef>
+              <a:spcAft>
+                <a:spcPts val="0"/>
+              </a:spcAft>
+              <a:buClr>
+                <a:schemeClr val="dk1"/>
+              </a:buClr>
+              <a:buSzPts val="1200"/>
+              <a:buFont typeface="Times New Roman"/>
+              <a:buChar char="●"/>
+            </a:pPr>
+            <a:r>
+              <a:rPr lang="en" sz="1200">
+                <a:solidFill>
+                  <a:schemeClr val="dk1"/>
+                </a:solidFill>
+                <a:latin typeface="Times New Roman"/>
+                <a:ea typeface="Times New Roman"/>
+                <a:cs typeface="Times New Roman"/>
+                <a:sym typeface="Times New Roman"/>
+              </a:rPr>
+              <a:t>Our application will also keep track of the feedback given to each student, so if the grader modifies the custom feedback or the deduction value, if saved, the change will be reflected globally.</a:t>
+            </a:r>
+            <a:endParaRPr sz="1200">
+              <a:solidFill>
+                <a:schemeClr val="dk1"/>
+              </a:solidFill>
+              <a:latin typeface="Times New Roman"/>
+              <a:ea typeface="Times New Roman"/>
+              <a:cs typeface="Times New Roman"/>
+              <a:sym typeface="Times New Roman"/>
+            </a:endParaRPr>
+          </a:p>
+          <a:p>
+            <a:pPr indent="-304800" lvl="0" marL="457200" rtl="0" algn="l">
+              <a:lnSpc>
+                <a:spcPct val="115000"/>
+              </a:lnSpc>
+              <a:spcBef>
+                <a:spcPts val="0"/>
+              </a:spcBef>
+              <a:spcAft>
+                <a:spcPts val="0"/>
+              </a:spcAft>
+              <a:buClr>
+                <a:schemeClr val="dk1"/>
+              </a:buClr>
+              <a:buSzPts val="1200"/>
+              <a:buFont typeface="Times New Roman"/>
+              <a:buChar char="●"/>
+            </a:pPr>
+            <a:r>
+              <a:rPr lang="en" sz="1200">
+                <a:solidFill>
+                  <a:schemeClr val="dk1"/>
+                </a:solidFill>
+                <a:latin typeface="Times New Roman"/>
+                <a:ea typeface="Times New Roman"/>
+                <a:cs typeface="Times New Roman"/>
+                <a:sym typeface="Times New Roman"/>
+              </a:rPr>
+              <a:t>Finally, the application will also display assignment statistics: the frequency of each feedback, the average score, standard deviation, median, and mode</a:t>
+            </a:r>
+            <a:endParaRPr sz="1200">
+              <a:solidFill>
+                <a:schemeClr val="dk1"/>
+              </a:solidFill>
+              <a:latin typeface="Times New Roman"/>
+              <a:ea typeface="Times New Roman"/>
+              <a:cs typeface="Times New Roman"/>
+              <a:sym typeface="Times New Roman"/>
+            </a:endParaRPr>
+          </a:p>
+        </p:txBody>
+      </p:sp>
+    </p:spTree>
+  </p:cSld>
+  <p:clrMapOvr>
+    <a:masterClrMapping/>
+  </p:clrMapOvr>
+</p:notes>
+</file>
+
+<file path=ppt/notesSlides/notesSlide7.xml><?xml version="1.0" encoding="utf-8"?>
+<p:notes xmlns:a="http://schemas.openxmlformats.org/drawingml/2006/main" xmlns:r="http://schemas.openxmlformats.org/officeDocument/2006/relationships" xmlns:mc="http://schemas.openxmlformats.org/markup-compatibility/2006" xmlns:mv="urn:schemas-microsoft-com:mac:vml" xmlns:p="http://schemas.openxmlformats.org/presentationml/2006/main" xmlns:c="http://schemas.openxmlformats.org/drawingml/2006/chart" xmlns:dgm="http://schemas.openxmlformats.org/drawingml/2006/diagram" xmlns:o="urn:schemas-microsoft-com:office:office" xmlns:v="urn:schemas-microsoft-com:vml" xmlns:pvml="urn:schemas-microsoft-com:office:powerpoint" xmlns:com="http://schemas.openxmlformats.org/drawingml/2006/compatibility" xmlns:p14="http://schemas.microsoft.com/office/powerpoint/2010/main" xmlns:p15="http://schemas.microsoft.com/office/powerpoint/2012/main" xmlns:ahyp="http://schemas.microsoft.com/office/drawing/2018/hyperlinkcolor" showMasterPhAnim="0" showMasterSp="0">
+  <p:cSld>
+    <p:spTree>
+      <p:nvGrpSpPr>
+        <p:cNvPr id="87" name="Shape 87"/>
+        <p:cNvGrpSpPr/>
+        <p:nvPr/>
+      </p:nvGrpSpPr>
+      <p:grpSpPr>
+        <a:xfrm>
+          <a:off x="0" y="0"/>
+          <a:ext cx="0" cy="0"/>
+          <a:chOff x="0" y="0"/>
+          <a:chExt cx="0" cy="0"/>
+        </a:xfrm>
+      </p:grpSpPr>
+      <p:sp>
+        <p:nvSpPr>
+          <p:cNvPr id="88" name="Google Shape;88;g1053d0a866c_1_81:notes"/>
+          <p:cNvSpPr/>
+          <p:nvPr>
+            <p:ph idx="2" type="sldImg"/>
+          </p:nvPr>
+        </p:nvSpPr>
+        <p:spPr>
+          <a:xfrm>
+            <a:off x="381300" y="685800"/>
+            <a:ext cx="6096000" cy="3429000"/>
+          </a:xfrm>
+          <a:custGeom>
+            <a:rect b="b" l="l" r="r" t="t"/>
+            <a:pathLst>
+              <a:path extrusionOk="0" h="120000" w="120000">
+                <a:moveTo>
+                  <a:pt x="0" y="0"/>
+                </a:moveTo>
+                <a:lnTo>
+                  <a:pt x="120000" y="0"/>
+                </a:lnTo>
+                <a:lnTo>
+                  <a:pt x="120000" y="120000"/>
+                </a:lnTo>
+                <a:lnTo>
+                  <a:pt x="0" y="120000"/>
+                </a:lnTo>
+                <a:close/>
+              </a:path>
+            </a:pathLst>
+          </a:custGeom>
+        </p:spPr>
+      </p:sp>
+      <p:sp>
+        <p:nvSpPr>
+          <p:cNvPr id="89" name="Google Shape;89;g1053d0a866c_1_81:notes"/>
+          <p:cNvSpPr txBox="1"/>
+          <p:nvPr>
+            <p:ph idx="1" type="body"/>
+          </p:nvPr>
+        </p:nvSpPr>
+        <p:spPr>
+          <a:xfrm>
+            <a:off x="685800" y="4343400"/>
+            <a:ext cx="5486400" cy="4114800"/>
+          </a:xfrm>
+          <a:prstGeom prst="rect">
+            <a:avLst/>
+          </a:prstGeom>
+        </p:spPr>
+        <p:txBody>
+          <a:bodyPr anchorCtr="0" anchor="t" bIns="91425" lIns="91425" spcFirstLastPara="1" rIns="91425" wrap="square" tIns="91425">
+            <a:noAutofit/>
+          </a:bodyPr>
+          <a:lstStyle/>
+          <a:p>
+            <a:pPr indent="-298450" lvl="0" marL="457200" rtl="0" algn="l">
+              <a:lnSpc>
+                <a:spcPct val="115000"/>
+              </a:lnSpc>
+              <a:spcBef>
+                <a:spcPts val="0"/>
+              </a:spcBef>
+              <a:spcAft>
+                <a:spcPts val="0"/>
+              </a:spcAft>
+              <a:buSzPts val="1100"/>
+              <a:buChar char="●"/>
+            </a:pPr>
+            <a:r>
+              <a:rPr lang="en" sz="1200">
+                <a:solidFill>
+                  <a:schemeClr val="dk1"/>
+                </a:solidFill>
+                <a:latin typeface="Times New Roman"/>
+                <a:ea typeface="Times New Roman"/>
+                <a:cs typeface="Times New Roman"/>
+                <a:sym typeface="Times New Roman"/>
+              </a:rPr>
+              <a:t>Make a web app where a student grader or professor would download an assignment’s CSV file from Moodle, upload it, and then our app will parse through the file to nicely display the CSV file</a:t>
+            </a:r>
+            <a:endParaRPr sz="1200">
+              <a:solidFill>
+                <a:schemeClr val="dk1"/>
+              </a:solidFill>
+              <a:latin typeface="Times New Roman"/>
+              <a:ea typeface="Times New Roman"/>
+              <a:cs typeface="Times New Roman"/>
+              <a:sym typeface="Times New Roman"/>
+            </a:endParaRPr>
+          </a:p>
+          <a:p>
+            <a:pPr indent="-304800" lvl="0" marL="457200" rtl="0" algn="l">
+              <a:lnSpc>
+                <a:spcPct val="115000"/>
+              </a:lnSpc>
+              <a:spcBef>
+                <a:spcPts val="0"/>
+              </a:spcBef>
+              <a:spcAft>
+                <a:spcPts val="0"/>
+              </a:spcAft>
+              <a:buClr>
+                <a:schemeClr val="dk1"/>
+              </a:buClr>
+              <a:buSzPts val="1200"/>
+              <a:buFont typeface="Times New Roman"/>
+              <a:buChar char="●"/>
+            </a:pPr>
+            <a:r>
+              <a:rPr lang="en" sz="1200">
+                <a:solidFill>
+                  <a:schemeClr val="dk1"/>
+                </a:solidFill>
+                <a:latin typeface="Times New Roman"/>
+                <a:ea typeface="Times New Roman"/>
+                <a:cs typeface="Times New Roman"/>
+                <a:sym typeface="Times New Roman"/>
+              </a:rPr>
+              <a:t>The application will display a full chart of the students’ full name, their Calvin email, their grade for the assignment, and the feedback</a:t>
+            </a:r>
+            <a:endParaRPr sz="1200">
+              <a:solidFill>
+                <a:schemeClr val="dk1"/>
+              </a:solidFill>
+              <a:latin typeface="Times New Roman"/>
+              <a:ea typeface="Times New Roman"/>
+              <a:cs typeface="Times New Roman"/>
+              <a:sym typeface="Times New Roman"/>
+            </a:endParaRPr>
+          </a:p>
+          <a:p>
+            <a:pPr indent="-304800" lvl="0" marL="457200" rtl="0" algn="l">
+              <a:lnSpc>
+                <a:spcPct val="115000"/>
+              </a:lnSpc>
+              <a:spcBef>
+                <a:spcPts val="0"/>
+              </a:spcBef>
+              <a:spcAft>
+                <a:spcPts val="0"/>
+              </a:spcAft>
+              <a:buClr>
+                <a:schemeClr val="dk1"/>
+              </a:buClr>
+              <a:buSzPts val="1200"/>
+              <a:buFont typeface="Times New Roman"/>
+              <a:buChar char="●"/>
+            </a:pPr>
+            <a:r>
+              <a:rPr lang="en" sz="1200">
+                <a:solidFill>
+                  <a:schemeClr val="dk1"/>
+                </a:solidFill>
+                <a:latin typeface="Times New Roman"/>
+                <a:ea typeface="Times New Roman"/>
+                <a:cs typeface="Times New Roman"/>
+                <a:sym typeface="Times New Roman"/>
+              </a:rPr>
+              <a:t>All of the feedback strings and their point values will be stored into a saved list</a:t>
+            </a:r>
+            <a:endParaRPr sz="1200">
+              <a:solidFill>
+                <a:schemeClr val="dk1"/>
+              </a:solidFill>
+              <a:latin typeface="Times New Roman"/>
+              <a:ea typeface="Times New Roman"/>
+              <a:cs typeface="Times New Roman"/>
+              <a:sym typeface="Times New Roman"/>
+            </a:endParaRPr>
+          </a:p>
+          <a:p>
+            <a:pPr indent="-304800" lvl="0" marL="457200" rtl="0" algn="l">
+              <a:lnSpc>
+                <a:spcPct val="115000"/>
+              </a:lnSpc>
+              <a:spcBef>
+                <a:spcPts val="0"/>
+              </a:spcBef>
+              <a:spcAft>
+                <a:spcPts val="0"/>
+              </a:spcAft>
+              <a:buClr>
+                <a:schemeClr val="dk1"/>
+              </a:buClr>
+              <a:buSzPts val="1200"/>
+              <a:buFont typeface="Times New Roman"/>
+              <a:buChar char="●"/>
+            </a:pPr>
+            <a:r>
+              <a:rPr lang="en" sz="1200">
+                <a:solidFill>
+                  <a:schemeClr val="dk1"/>
+                </a:solidFill>
+                <a:latin typeface="Times New Roman"/>
+                <a:ea typeface="Times New Roman"/>
+                <a:cs typeface="Times New Roman"/>
+                <a:sym typeface="Times New Roman"/>
+              </a:rPr>
+              <a:t>Using this list, a grader can then just check off the feedback that applies to each student’s submission</a:t>
+            </a:r>
+            <a:endParaRPr sz="1200">
+              <a:solidFill>
+                <a:schemeClr val="dk1"/>
+              </a:solidFill>
+              <a:latin typeface="Times New Roman"/>
+              <a:ea typeface="Times New Roman"/>
+              <a:cs typeface="Times New Roman"/>
+              <a:sym typeface="Times New Roman"/>
+            </a:endParaRPr>
+          </a:p>
+          <a:p>
+            <a:pPr indent="-304800" lvl="0" marL="457200" rtl="0" algn="l">
+              <a:lnSpc>
+                <a:spcPct val="115000"/>
+              </a:lnSpc>
+              <a:spcBef>
+                <a:spcPts val="0"/>
+              </a:spcBef>
+              <a:spcAft>
+                <a:spcPts val="0"/>
+              </a:spcAft>
+              <a:buClr>
+                <a:schemeClr val="dk1"/>
+              </a:buClr>
+              <a:buSzPts val="1200"/>
+              <a:buFont typeface="Times New Roman"/>
+              <a:buChar char="●"/>
+            </a:pPr>
+            <a:r>
+              <a:rPr lang="en" sz="1200">
+                <a:solidFill>
+                  <a:schemeClr val="dk1"/>
+                </a:solidFill>
+                <a:latin typeface="Times New Roman"/>
+                <a:ea typeface="Times New Roman"/>
+                <a:cs typeface="Times New Roman"/>
+                <a:sym typeface="Times New Roman"/>
+              </a:rPr>
+              <a:t>Our application will also keep track of the feedback given to each student, so if the grader modifies the custom feedback or the deduction value, if saved, the change will be reflected globally.</a:t>
+            </a:r>
+            <a:endParaRPr sz="1200">
+              <a:solidFill>
+                <a:schemeClr val="dk1"/>
+              </a:solidFill>
+              <a:latin typeface="Times New Roman"/>
+              <a:ea typeface="Times New Roman"/>
+              <a:cs typeface="Times New Roman"/>
+              <a:sym typeface="Times New Roman"/>
+            </a:endParaRPr>
+          </a:p>
+          <a:p>
+            <a:pPr indent="-304800" lvl="0" marL="457200" rtl="0" algn="l">
+              <a:lnSpc>
+                <a:spcPct val="115000"/>
+              </a:lnSpc>
+              <a:spcBef>
+                <a:spcPts val="0"/>
+              </a:spcBef>
+              <a:spcAft>
+                <a:spcPts val="0"/>
+              </a:spcAft>
+              <a:buClr>
+                <a:schemeClr val="dk1"/>
+              </a:buClr>
+              <a:buSzPts val="1200"/>
+              <a:buFont typeface="Times New Roman"/>
+              <a:buChar char="●"/>
+            </a:pPr>
+            <a:r>
+              <a:rPr lang="en" sz="1200">
+                <a:solidFill>
+                  <a:schemeClr val="dk1"/>
+                </a:solidFill>
+                <a:latin typeface="Times New Roman"/>
+                <a:ea typeface="Times New Roman"/>
+                <a:cs typeface="Times New Roman"/>
+                <a:sym typeface="Times New Roman"/>
+              </a:rPr>
+              <a:t>Finally, the application will also display assignment statistics: the frequency of each feedback, the average score, standard deviation, median, and mode</a:t>
+            </a:r>
+            <a:endParaRPr sz="1200">
+              <a:solidFill>
+                <a:schemeClr val="dk1"/>
+              </a:solidFill>
+              <a:latin typeface="Times New Roman"/>
+              <a:ea typeface="Times New Roman"/>
+              <a:cs typeface="Times New Roman"/>
+              <a:sym typeface="Times New Roman"/>
+            </a:endParaRPr>
+          </a:p>
+        </p:txBody>
+      </p:sp>
+    </p:spTree>
+  </p:cSld>
+  <p:clrMapOvr>
+    <a:masterClrMapping/>
+  </p:clrMapOvr>
+</p:notes>
+</file>
+
+<file path=ppt/notesSlides/notesSlide8.xml><?xml version="1.0" encoding="utf-8"?>
+<p:notes xmlns:a="http://schemas.openxmlformats.org/drawingml/2006/main" xmlns:r="http://schemas.openxmlformats.org/officeDocument/2006/relationships" xmlns:mc="http://schemas.openxmlformats.org/markup-compatibility/2006" xmlns:mv="urn:schemas-microsoft-com:mac:vml" xmlns:p="http://schemas.openxmlformats.org/presentationml/2006/main" xmlns:c="http://schemas.openxmlformats.org/drawingml/2006/chart" xmlns:dgm="http://schemas.openxmlformats.org/drawingml/2006/diagram" xmlns:o="urn:schemas-microsoft-com:office:office" xmlns:v="urn:schemas-microsoft-com:vml" xmlns:pvml="urn:schemas-microsoft-com:office:powerpoint" xmlns:com="http://schemas.openxmlformats.org/drawingml/2006/compatibility" xmlns:p14="http://schemas.microsoft.com/office/powerpoint/2010/main" xmlns:p15="http://schemas.microsoft.com/office/powerpoint/2012/main" xmlns:ahyp="http://schemas.microsoft.com/office/drawing/2018/hyperlinkcolor" showMasterPhAnim="0" showMasterSp="0">
+  <p:cSld>
+    <p:spTree>
+      <p:nvGrpSpPr>
+        <p:cNvPr id="93" name="Shape 93"/>
+        <p:cNvGrpSpPr/>
+        <p:nvPr/>
+      </p:nvGrpSpPr>
+      <p:grpSpPr>
+        <a:xfrm>
+          <a:off x="0" y="0"/>
+          <a:ext cx="0" cy="0"/>
+          <a:chOff x="0" y="0"/>
+          <a:chExt cx="0" cy="0"/>
+        </a:xfrm>
+      </p:grpSpPr>
+      <p:sp>
+        <p:nvSpPr>
+          <p:cNvPr id="94" name="Google Shape;94;g1053d0a866c_1_21:notes"/>
+          <p:cNvSpPr/>
+          <p:nvPr>
+            <p:ph idx="2" type="sldImg"/>
+          </p:nvPr>
+        </p:nvSpPr>
+        <p:spPr>
+          <a:xfrm>
+            <a:off x="381300" y="685800"/>
+            <a:ext cx="6096000" cy="3429000"/>
+          </a:xfrm>
+          <a:custGeom>
+            <a:rect b="b" l="l" r="r" t="t"/>
+            <a:pathLst>
+              <a:path extrusionOk="0" h="120000" w="120000">
+                <a:moveTo>
+                  <a:pt x="0" y="0"/>
+                </a:moveTo>
+                <a:lnTo>
+                  <a:pt x="120000" y="0"/>
+                </a:lnTo>
+                <a:lnTo>
+                  <a:pt x="120000" y="120000"/>
+                </a:lnTo>
+                <a:lnTo>
+                  <a:pt x="0" y="120000"/>
+                </a:lnTo>
+                <a:close/>
+              </a:path>
+            </a:pathLst>
+          </a:custGeom>
+        </p:spPr>
+      </p:sp>
+      <p:sp>
+        <p:nvSpPr>
+          <p:cNvPr id="95" name="Google Shape;95;g1053d0a866c_1_21:notes"/>
+          <p:cNvSpPr txBox="1"/>
+          <p:nvPr>
+            <p:ph idx="1" type="body"/>
+          </p:nvPr>
+        </p:nvSpPr>
+        <p:spPr>
+          <a:xfrm>
+            <a:off x="685800" y="4343400"/>
+            <a:ext cx="5486400" cy="4114800"/>
+          </a:xfrm>
+          <a:prstGeom prst="rect">
+            <a:avLst/>
+          </a:prstGeom>
+        </p:spPr>
+        <p:txBody>
+          <a:bodyPr anchorCtr="0" anchor="t" bIns="91425" lIns="91425" spcFirstLastPara="1" rIns="91425" wrap="square" tIns="91425">
+            <a:noAutofit/>
+          </a:bodyPr>
+          <a:lstStyle/>
+          <a:p>
+            <a:pPr indent="-298450" lvl="0" marL="457200" rtl="0" algn="l">
+              <a:spcBef>
+                <a:spcPts val="0"/>
+              </a:spcBef>
+              <a:spcAft>
+                <a:spcPts val="0"/>
+              </a:spcAft>
+              <a:buSzPts val="1100"/>
+              <a:buChar char="●"/>
+            </a:pPr>
+            <a:r>
+              <a:rPr lang="en"/>
+              <a:t>Angular as our web app framework</a:t>
+            </a:r>
+            <a:endParaRPr/>
+          </a:p>
+          <a:p>
+            <a:pPr indent="-298450" lvl="0" marL="457200" rtl="0" algn="l">
+              <a:spcBef>
+                <a:spcPts val="0"/>
+              </a:spcBef>
+              <a:spcAft>
+                <a:spcPts val="0"/>
+              </a:spcAft>
+              <a:buSzPts val="1100"/>
+              <a:buChar char="●"/>
+            </a:pPr>
+            <a:r>
+              <a:rPr lang="en"/>
+              <a:t>Bootstrap for our UI library</a:t>
+            </a:r>
+            <a:endParaRPr/>
+          </a:p>
+          <a:p>
+            <a:pPr indent="-298450" lvl="0" marL="457200" rtl="0" algn="l">
+              <a:spcBef>
+                <a:spcPts val="0"/>
+              </a:spcBef>
+              <a:spcAft>
+                <a:spcPts val="0"/>
+              </a:spcAft>
+              <a:buSzPts val="1100"/>
+              <a:buChar char="●"/>
+            </a:pPr>
+            <a:r>
+              <a:rPr lang="en"/>
+              <a:t>Apex Charts for creating graphs of the homework stats</a:t>
+            </a:r>
+            <a:endParaRPr/>
+          </a:p>
+          <a:p>
+            <a:pPr indent="-298450" lvl="0" marL="457200" rtl="0" algn="l">
+              <a:lnSpc>
+                <a:spcPct val="115000"/>
+              </a:lnSpc>
+              <a:spcBef>
+                <a:spcPts val="0"/>
+              </a:spcBef>
+              <a:spcAft>
+                <a:spcPts val="0"/>
+              </a:spcAft>
+              <a:buSzPts val="1100"/>
+              <a:buChar char="●"/>
+            </a:pPr>
+            <a:r>
+              <a:rPr lang="en" sz="1200">
+                <a:solidFill>
+                  <a:schemeClr val="dk1"/>
+                </a:solidFill>
+                <a:latin typeface="Times New Roman"/>
+                <a:ea typeface="Times New Roman"/>
+                <a:cs typeface="Times New Roman"/>
+                <a:sym typeface="Times New Roman"/>
+              </a:rPr>
+              <a:t>we are practicing end-to-end testing using Cypress </a:t>
+            </a:r>
+            <a:r>
+              <a:rPr lang="en" sz="1200">
+                <a:solidFill>
+                  <a:srgbClr val="202124"/>
+                </a:solidFill>
+                <a:highlight>
+                  <a:srgbClr val="FFFFFF"/>
+                </a:highlight>
+                <a:latin typeface="Roboto"/>
+                <a:ea typeface="Roboto"/>
+                <a:cs typeface="Roboto"/>
+                <a:sym typeface="Roboto"/>
+              </a:rPr>
+              <a:t>refers to </a:t>
+            </a:r>
+            <a:r>
+              <a:rPr b="1" lang="en" sz="1200">
+                <a:solidFill>
+                  <a:srgbClr val="202124"/>
+                </a:solidFill>
+                <a:highlight>
+                  <a:srgbClr val="FFFFFF"/>
+                </a:highlight>
+                <a:latin typeface="Roboto"/>
+                <a:ea typeface="Roboto"/>
+                <a:cs typeface="Roboto"/>
+                <a:sym typeface="Roboto"/>
+              </a:rPr>
+              <a:t>a software testing method that involves testing an application's workflow from beginning to end</a:t>
+            </a:r>
+            <a:endParaRPr sz="1200">
+              <a:solidFill>
+                <a:schemeClr val="dk1"/>
+              </a:solidFill>
+              <a:latin typeface="Times New Roman"/>
+              <a:ea typeface="Times New Roman"/>
+              <a:cs typeface="Times New Roman"/>
+              <a:sym typeface="Times New Roman"/>
+            </a:endParaRPr>
+          </a:p>
+          <a:p>
+            <a:pPr indent="-304800" lvl="0" marL="457200" rtl="0" algn="l">
+              <a:lnSpc>
+                <a:spcPct val="115000"/>
+              </a:lnSpc>
+              <a:spcBef>
+                <a:spcPts val="0"/>
+              </a:spcBef>
+              <a:spcAft>
+                <a:spcPts val="0"/>
+              </a:spcAft>
+              <a:buClr>
+                <a:schemeClr val="dk1"/>
+              </a:buClr>
+              <a:buSzPts val="1200"/>
+              <a:buFont typeface="Times New Roman"/>
+              <a:buChar char="●"/>
+            </a:pPr>
+            <a:r>
+              <a:rPr lang="en" sz="1200">
+                <a:solidFill>
+                  <a:srgbClr val="202124"/>
+                </a:solidFill>
+                <a:highlight>
+                  <a:srgbClr val="FFFFFF"/>
+                </a:highlight>
+                <a:latin typeface="Roboto"/>
+                <a:ea typeface="Roboto"/>
+                <a:cs typeface="Roboto"/>
+                <a:sym typeface="Roboto"/>
+              </a:rPr>
+              <a:t>This method basically aims to replicate real user scenarios so that the system can be validated for integration and data integrity</a:t>
+            </a:r>
+            <a:endParaRPr sz="1200">
+              <a:solidFill>
+                <a:schemeClr val="dk1"/>
+              </a:solidFill>
+              <a:latin typeface="Times New Roman"/>
+              <a:ea typeface="Times New Roman"/>
+              <a:cs typeface="Times New Roman"/>
+              <a:sym typeface="Times New Roman"/>
+            </a:endParaRPr>
+          </a:p>
+        </p:txBody>
+      </p:sp>
+    </p:spTree>
+  </p:cSld>
+  <p:clrMapOvr>
+    <a:masterClrMapping/>
+  </p:clrMapOvr>
+</p:notes>
+</file>
+
+<file path=ppt/notesSlides/notesSlide9.xml><?xml version="1.0" encoding="utf-8"?>
+<p:notes xmlns:a="http://schemas.openxmlformats.org/drawingml/2006/main" xmlns:r="http://schemas.openxmlformats.org/officeDocument/2006/relationships" xmlns:mc="http://schemas.openxmlformats.org/markup-compatibility/2006" xmlns:mv="urn:schemas-microsoft-com:mac:vml" xmlns:p="http://schemas.openxmlformats.org/presentationml/2006/main" xmlns:c="http://schemas.openxmlformats.org/drawingml/2006/chart" xmlns:dgm="http://schemas.openxmlformats.org/drawingml/2006/diagram" xmlns:o="urn:schemas-microsoft-com:office:office" xmlns:v="urn:schemas-microsoft-com:vml" xmlns:pvml="urn:schemas-microsoft-com:office:powerpoint" xmlns:com="http://schemas.openxmlformats.org/drawingml/2006/compatibility" xmlns:p14="http://schemas.microsoft.com/office/powerpoint/2010/main" xmlns:p15="http://schemas.microsoft.com/office/powerpoint/2012/main" xmlns:ahyp="http://schemas.microsoft.com/office/drawing/2018/hyperlinkcolor" showMasterPhAnim="0" showMasterSp="0">
+  <p:cSld>
+    <p:spTree>
+      <p:nvGrpSpPr>
+        <p:cNvPr id="99" name="Shape 99"/>
+        <p:cNvGrpSpPr/>
+        <p:nvPr/>
+      </p:nvGrpSpPr>
+      <p:grpSpPr>
+        <a:xfrm>
+          <a:off x="0" y="0"/>
+          <a:ext cx="0" cy="0"/>
+          <a:chOff x="0" y="0"/>
+          <a:chExt cx="0" cy="0"/>
+        </a:xfrm>
+      </p:grpSpPr>
+      <p:sp>
+        <p:nvSpPr>
+          <p:cNvPr id="100" name="Google Shape;100;g10550feed4c_0_0:notes"/>
+          <p:cNvSpPr/>
+          <p:nvPr>
+            <p:ph idx="2" type="sldImg"/>
+          </p:nvPr>
+        </p:nvSpPr>
+        <p:spPr>
+          <a:xfrm>
+            <a:off x="381300" y="685800"/>
+            <a:ext cx="6096000" cy="3429000"/>
+          </a:xfrm>
+          <a:custGeom>
+            <a:rect b="b" l="l" r="r" t="t"/>
+            <a:pathLst>
+              <a:path extrusionOk="0" h="120000" w="120000">
+                <a:moveTo>
+                  <a:pt x="0" y="0"/>
+                </a:moveTo>
+                <a:lnTo>
+                  <a:pt x="120000" y="0"/>
+                </a:lnTo>
+                <a:lnTo>
+                  <a:pt x="120000" y="120000"/>
+                </a:lnTo>
+                <a:lnTo>
+                  <a:pt x="0" y="120000"/>
+                </a:lnTo>
+                <a:close/>
+              </a:path>
+            </a:pathLst>
+          </a:custGeom>
+        </p:spPr>
+      </p:sp>
+      <p:sp>
+        <p:nvSpPr>
+          <p:cNvPr id="101" name="Google Shape;101;g10550feed4c_0_0:notes"/>
+          <p:cNvSpPr txBox="1"/>
+          <p:nvPr>
+            <p:ph idx="1" type="body"/>
+          </p:nvPr>
+        </p:nvSpPr>
+        <p:spPr>
+          <a:xfrm>
+            <a:off x="685800" y="4343400"/>
+            <a:ext cx="5486400" cy="4114800"/>
+          </a:xfrm>
+          <a:prstGeom prst="rect">
+            <a:avLst/>
+          </a:prstGeom>
+        </p:spPr>
+        <p:txBody>
+          <a:bodyPr anchorCtr="0" anchor="t" bIns="91425" lIns="91425" spcFirstLastPara="1" rIns="91425" wrap="square" tIns="91425">
+            <a:noAutofit/>
+          </a:bodyPr>
+          <a:lstStyle/>
+          <a:p>
+            <a:pPr indent="0" lvl="0" marL="0" rtl="0" algn="l">
+              <a:spcBef>
+                <a:spcPts val="0"/>
+              </a:spcBef>
+              <a:spcAft>
+                <a:spcPts val="0"/>
+              </a:spcAft>
+              <a:buNone/>
+            </a:pPr>
+            <a:r>
+              <a:t/>
+            </a:r>
+            <a:endParaRPr/>
+          </a:p>
+        </p:txBody>
+      </p:sp>
+    </p:spTree>
+  </p:cSld>
+  <p:clrMapOvr>
+    <a:masterClrMapping/>
+  </p:clrMapOvr>
+</p:notes>
+</file>
+
 <file path=ppt/slideLayouts/slideLayout1.xml><?xml version="1.0" encoding="utf-8"?>
 <p:sldLayout xmlns:a="http://schemas.openxmlformats.org/drawingml/2006/main" xmlns:r="http://schemas.openxmlformats.org/officeDocument/2006/relationships" xmlns:mc="http://schemas.openxmlformats.org/markup-compatibility/2006" xmlns:mv="urn:schemas-microsoft-com:mac:vml" xmlns:p="http://schemas.openxmlformats.org/presentationml/2006/main" xmlns:c="http://schemas.openxmlformats.org/drawingml/2006/chart" xmlns:dgm="http://schemas.openxmlformats.org/drawingml/2006/diagram" xmlns:o="urn:schemas-microsoft-com:office:office" xmlns:v="urn:schemas-microsoft-com:vml" xmlns:pvml="urn:schemas-microsoft-com:office:powerpoint" xmlns:com="http://schemas.openxmlformats.org/drawingml/2006/compatibility" xmlns:p14="http://schemas.microsoft.com/office/powerpoint/2010/main" xmlns:p15="http://schemas.microsoft.com/office/powerpoint/2012/main" xmlns:ahyp="http://schemas.microsoft.com/office/drawing/2018/hyperlinkcolor" matchingName="Title slide" type="title">
   <p:cSld name="TITLE">
@@ -4242,7 +6549,7 @@
     <p:bg>
       <p:bgPr>
         <a:solidFill>
-          <a:schemeClr val="lt1"/>
+          <a:srgbClr val="25272A"/>
         </a:solidFill>
       </p:bgPr>
     </p:bg>
@@ -5530,6 +7837,9 @@
           <a:prstGeom prst="rect">
             <a:avLst/>
           </a:prstGeom>
+          <a:ln>
+            <a:noFill/>
+          </a:ln>
         </p:spPr>
         <p:txBody>
           <a:bodyPr anchorCtr="0" anchor="b" bIns="91425" lIns="91425" spcFirstLastPara="1" rIns="91425" wrap="square" tIns="91425">
@@ -5547,10 +7857,20 @@
               <a:buNone/>
             </a:pPr>
             <a:r>
-              <a:rPr lang="en"/>
+              <a:rPr lang="en">
+                <a:latin typeface="Montserrat"/>
+                <a:ea typeface="Montserrat"/>
+                <a:cs typeface="Montserrat"/>
+                <a:sym typeface="Montserrat"/>
+              </a:rPr>
               <a:t>Moodle Grading App</a:t>
             </a:r>
-            <a:endParaRPr/>
+            <a:endParaRPr>
+              <a:latin typeface="Montserrat"/>
+              <a:ea typeface="Montserrat"/>
+              <a:cs typeface="Montserrat"/>
+              <a:sym typeface="Montserrat"/>
+            </a:endParaRPr>
           </a:p>
           <a:p>
             <a:pPr indent="0" lvl="0" marL="0" rtl="0" algn="ctr">
@@ -5563,10 +7883,26 @@
               <a:buNone/>
             </a:pPr>
             <a:r>
-              <a:rPr lang="en" sz="2000"/>
+              <a:rPr lang="en" sz="2000">
+                <a:solidFill>
+                  <a:srgbClr val="778AD5"/>
+                </a:solidFill>
+                <a:latin typeface="Montserrat"/>
+                <a:ea typeface="Montserrat"/>
+                <a:cs typeface="Montserrat"/>
+                <a:sym typeface="Montserrat"/>
+              </a:rPr>
               <a:t>Senior Project: Final Presentation</a:t>
             </a:r>
-            <a:endParaRPr sz="2000"/>
+            <a:endParaRPr sz="2000">
+              <a:solidFill>
+                <a:srgbClr val="778AD5"/>
+              </a:solidFill>
+              <a:latin typeface="Montserrat"/>
+              <a:ea typeface="Montserrat"/>
+              <a:cs typeface="Montserrat"/>
+              <a:sym typeface="Montserrat"/>
+            </a:endParaRPr>
           </a:p>
         </p:txBody>
       </p:sp>
@@ -5603,10 +7939,26 @@
               <a:buNone/>
             </a:pPr>
             <a:r>
-              <a:rPr lang="en" sz="1600"/>
+              <a:rPr lang="en" sz="1600">
+                <a:solidFill>
+                  <a:srgbClr val="BBBBBB"/>
+                </a:solidFill>
+                <a:latin typeface="Montserrat"/>
+                <a:ea typeface="Montserrat"/>
+                <a:cs typeface="Montserrat"/>
+                <a:sym typeface="Montserrat"/>
+              </a:rPr>
               <a:t>Developers: Emily Costa &amp; Michael Sisko</a:t>
             </a:r>
-            <a:endParaRPr sz="1600"/>
+            <a:endParaRPr sz="1600">
+              <a:solidFill>
+                <a:srgbClr val="BBBBBB"/>
+              </a:solidFill>
+              <a:latin typeface="Montserrat"/>
+              <a:ea typeface="Montserrat"/>
+              <a:cs typeface="Montserrat"/>
+              <a:sym typeface="Montserrat"/>
+            </a:endParaRPr>
           </a:p>
           <a:p>
             <a:pPr indent="0" lvl="0" marL="0" rtl="0" algn="l">
@@ -5619,10 +7971,1782 @@
               <a:buNone/>
             </a:pPr>
             <a:r>
-              <a:rPr lang="en" sz="1600"/>
+              <a:rPr lang="en" sz="1600">
+                <a:solidFill>
+                  <a:srgbClr val="BBBBBB"/>
+                </a:solidFill>
+                <a:latin typeface="Montserrat"/>
+                <a:ea typeface="Montserrat"/>
+                <a:cs typeface="Montserrat"/>
+                <a:sym typeface="Montserrat"/>
+              </a:rPr>
               <a:t>Advisor: Victor Norman</a:t>
             </a:r>
-            <a:endParaRPr sz="1600"/>
+            <a:endParaRPr sz="1600">
+              <a:solidFill>
+                <a:srgbClr val="BBBBBB"/>
+              </a:solidFill>
+              <a:latin typeface="Montserrat"/>
+              <a:ea typeface="Montserrat"/>
+              <a:cs typeface="Montserrat"/>
+              <a:sym typeface="Montserrat"/>
+            </a:endParaRPr>
+          </a:p>
+        </p:txBody>
+      </p:sp>
+    </p:spTree>
+  </p:cSld>
+  <p:clrMapOvr>
+    <a:masterClrMapping/>
+  </p:clrMapOvr>
+</p:sld>
+</file>
+
+<file path=ppt/slides/slide10.xml><?xml version="1.0" encoding="utf-8"?>
+<p:sld xmlns:a="http://schemas.openxmlformats.org/drawingml/2006/main" xmlns:r="http://schemas.openxmlformats.org/officeDocument/2006/relationships" xmlns:mc="http://schemas.openxmlformats.org/markup-compatibility/2006" xmlns:mv="urn:schemas-microsoft-com:mac:vml" xmlns:p="http://schemas.openxmlformats.org/presentationml/2006/main" xmlns:c="http://schemas.openxmlformats.org/drawingml/2006/chart" xmlns:dgm="http://schemas.openxmlformats.org/drawingml/2006/diagram" xmlns:o="urn:schemas-microsoft-com:office:office" xmlns:v="urn:schemas-microsoft-com:vml" xmlns:pvml="urn:schemas-microsoft-com:office:powerpoint" xmlns:com="http://schemas.openxmlformats.org/drawingml/2006/compatibility" xmlns:p14="http://schemas.microsoft.com/office/powerpoint/2010/main" xmlns:p15="http://schemas.microsoft.com/office/powerpoint/2012/main" xmlns:ahyp="http://schemas.microsoft.com/office/drawing/2018/hyperlinkcolor">
+  <p:cSld>
+    <p:spTree>
+      <p:nvGrpSpPr>
+        <p:cNvPr id="108" name="Shape 108"/>
+        <p:cNvGrpSpPr/>
+        <p:nvPr/>
+      </p:nvGrpSpPr>
+      <p:grpSpPr>
+        <a:xfrm>
+          <a:off x="0" y="0"/>
+          <a:ext cx="0" cy="0"/>
+          <a:chOff x="0" y="0"/>
+          <a:chExt cx="0" cy="0"/>
+        </a:xfrm>
+      </p:grpSpPr>
+      <p:sp>
+        <p:nvSpPr>
+          <p:cNvPr id="109" name="Google Shape;109;p22"/>
+          <p:cNvSpPr txBox="1"/>
+          <p:nvPr>
+            <p:ph type="title"/>
+          </p:nvPr>
+        </p:nvSpPr>
+        <p:spPr>
+          <a:xfrm>
+            <a:off x="311700" y="445025"/>
+            <a:ext cx="8520600" cy="572700"/>
+          </a:xfrm>
+          <a:prstGeom prst="rect">
+            <a:avLst/>
+          </a:prstGeom>
+        </p:spPr>
+        <p:txBody>
+          <a:bodyPr anchorCtr="0" anchor="t" bIns="91425" lIns="91425" spcFirstLastPara="1" rIns="91425" wrap="square" tIns="91425">
+            <a:noAutofit/>
+          </a:bodyPr>
+          <a:lstStyle/>
+          <a:p>
+            <a:pPr indent="0" lvl="0" marL="0" rtl="0" algn="ctr">
+              <a:spcBef>
+                <a:spcPts val="0"/>
+              </a:spcBef>
+              <a:spcAft>
+                <a:spcPts val="0"/>
+              </a:spcAft>
+              <a:buSzPts val="990"/>
+              <a:buNone/>
+            </a:pPr>
+            <a:r>
+              <a:rPr lang="en" sz="3320">
+                <a:latin typeface="Montserrat"/>
+                <a:ea typeface="Montserrat"/>
+                <a:cs typeface="Montserrat"/>
+                <a:sym typeface="Montserrat"/>
+              </a:rPr>
+              <a:t>Questions?</a:t>
+            </a:r>
+            <a:endParaRPr sz="3320">
+              <a:latin typeface="Montserrat"/>
+              <a:ea typeface="Montserrat"/>
+              <a:cs typeface="Montserrat"/>
+              <a:sym typeface="Montserrat"/>
+            </a:endParaRPr>
+          </a:p>
+        </p:txBody>
+      </p:sp>
+    </p:spTree>
+  </p:cSld>
+  <p:clrMapOvr>
+    <a:masterClrMapping/>
+  </p:clrMapOvr>
+</p:sld>
+</file>
+
+<file path=ppt/slides/slide2.xml><?xml version="1.0" encoding="utf-8"?>
+<p:sld xmlns:a="http://schemas.openxmlformats.org/drawingml/2006/main" xmlns:r="http://schemas.openxmlformats.org/officeDocument/2006/relationships" xmlns:mc="http://schemas.openxmlformats.org/markup-compatibility/2006" xmlns:mv="urn:schemas-microsoft-com:mac:vml" xmlns:p="http://schemas.openxmlformats.org/presentationml/2006/main" xmlns:c="http://schemas.openxmlformats.org/drawingml/2006/chart" xmlns:dgm="http://schemas.openxmlformats.org/drawingml/2006/diagram" xmlns:o="urn:schemas-microsoft-com:office:office" xmlns:v="urn:schemas-microsoft-com:vml" xmlns:pvml="urn:schemas-microsoft-com:office:powerpoint" xmlns:com="http://schemas.openxmlformats.org/drawingml/2006/compatibility" xmlns:p14="http://schemas.microsoft.com/office/powerpoint/2010/main" xmlns:p15="http://schemas.microsoft.com/office/powerpoint/2012/main" xmlns:ahyp="http://schemas.microsoft.com/office/drawing/2018/hyperlinkcolor">
+  <p:cSld>
+    <p:spTree>
+      <p:nvGrpSpPr>
+        <p:cNvPr id="59" name="Shape 59"/>
+        <p:cNvGrpSpPr/>
+        <p:nvPr/>
+      </p:nvGrpSpPr>
+      <p:grpSpPr>
+        <a:xfrm>
+          <a:off x="0" y="0"/>
+          <a:ext cx="0" cy="0"/>
+          <a:chOff x="0" y="0"/>
+          <a:chExt cx="0" cy="0"/>
+        </a:xfrm>
+      </p:grpSpPr>
+      <p:sp>
+        <p:nvSpPr>
+          <p:cNvPr id="60" name="Google Shape;60;p14"/>
+          <p:cNvSpPr txBox="1"/>
+          <p:nvPr>
+            <p:ph type="title"/>
+          </p:nvPr>
+        </p:nvSpPr>
+        <p:spPr>
+          <a:xfrm>
+            <a:off x="311700" y="445025"/>
+            <a:ext cx="8520600" cy="572700"/>
+          </a:xfrm>
+          <a:prstGeom prst="rect">
+            <a:avLst/>
+          </a:prstGeom>
+        </p:spPr>
+        <p:txBody>
+          <a:bodyPr anchorCtr="0" anchor="t" bIns="91425" lIns="91425" spcFirstLastPara="1" rIns="91425" wrap="square" tIns="91425">
+            <a:normAutofit fontScale="90000"/>
+          </a:bodyPr>
+          <a:lstStyle/>
+          <a:p>
+            <a:pPr indent="0" lvl="0" marL="0" rtl="0" algn="l">
+              <a:spcBef>
+                <a:spcPts val="0"/>
+              </a:spcBef>
+              <a:spcAft>
+                <a:spcPts val="0"/>
+              </a:spcAft>
+              <a:buNone/>
+            </a:pPr>
+            <a:r>
+              <a:rPr lang="en">
+                <a:latin typeface="Montserrat"/>
+                <a:ea typeface="Montserrat"/>
+                <a:cs typeface="Montserrat"/>
+                <a:sym typeface="Montserrat"/>
+              </a:rPr>
+              <a:t>Background &amp; Problem</a:t>
+            </a:r>
+            <a:endParaRPr>
+              <a:latin typeface="Montserrat"/>
+              <a:ea typeface="Montserrat"/>
+              <a:cs typeface="Montserrat"/>
+              <a:sym typeface="Montserrat"/>
+            </a:endParaRPr>
+          </a:p>
+        </p:txBody>
+      </p:sp>
+      <p:sp>
+        <p:nvSpPr>
+          <p:cNvPr id="61" name="Google Shape;61;p14"/>
+          <p:cNvSpPr txBox="1"/>
+          <p:nvPr>
+            <p:ph idx="1" type="body"/>
+          </p:nvPr>
+        </p:nvSpPr>
+        <p:spPr>
+          <a:xfrm>
+            <a:off x="311700" y="1152475"/>
+            <a:ext cx="8520600" cy="3416400"/>
+          </a:xfrm>
+          <a:prstGeom prst="rect">
+            <a:avLst/>
+          </a:prstGeom>
+        </p:spPr>
+        <p:txBody>
+          <a:bodyPr anchorCtr="0" anchor="t" bIns="91425" lIns="91425" spcFirstLastPara="1" rIns="91425" wrap="square" tIns="91425">
+            <a:normAutofit/>
+          </a:bodyPr>
+          <a:lstStyle/>
+          <a:p>
+            <a:pPr indent="-342900" lvl="0" marL="457200" rtl="0" algn="l">
+              <a:spcBef>
+                <a:spcPts val="0"/>
+              </a:spcBef>
+              <a:spcAft>
+                <a:spcPts val="0"/>
+              </a:spcAft>
+              <a:buClr>
+                <a:srgbClr val="EA6A62"/>
+              </a:buClr>
+              <a:buSzPts val="1800"/>
+              <a:buFont typeface="Montserrat"/>
+              <a:buChar char="●"/>
+            </a:pPr>
+            <a:r>
+              <a:rPr lang="en">
+                <a:solidFill>
+                  <a:srgbClr val="EA6A62"/>
+                </a:solidFill>
+                <a:latin typeface="Montserrat"/>
+                <a:ea typeface="Montserrat"/>
+                <a:cs typeface="Montserrat"/>
+                <a:sym typeface="Montserrat"/>
+              </a:rPr>
+              <a:t>Moodle’s UI is not efficient</a:t>
+            </a:r>
+            <a:endParaRPr>
+              <a:solidFill>
+                <a:srgbClr val="EA6A62"/>
+              </a:solidFill>
+              <a:latin typeface="Montserrat"/>
+              <a:ea typeface="Montserrat"/>
+              <a:cs typeface="Montserrat"/>
+              <a:sym typeface="Montserrat"/>
+            </a:endParaRPr>
+          </a:p>
+          <a:p>
+            <a:pPr indent="-342900" lvl="0" marL="457200" rtl="0" algn="l">
+              <a:spcBef>
+                <a:spcPts val="0"/>
+              </a:spcBef>
+              <a:spcAft>
+                <a:spcPts val="0"/>
+              </a:spcAft>
+              <a:buClr>
+                <a:srgbClr val="EA6A62"/>
+              </a:buClr>
+              <a:buSzPts val="1800"/>
+              <a:buFont typeface="Montserrat"/>
+              <a:buChar char="●"/>
+            </a:pPr>
+            <a:r>
+              <a:rPr lang="en">
+                <a:solidFill>
+                  <a:srgbClr val="EA6A62"/>
+                </a:solidFill>
+                <a:latin typeface="Montserrat"/>
+                <a:ea typeface="Montserrat"/>
+                <a:cs typeface="Montserrat"/>
+                <a:sym typeface="Montserrat"/>
+              </a:rPr>
+              <a:t>Grading is time consuming and redundant</a:t>
+            </a:r>
+            <a:endParaRPr>
+              <a:solidFill>
+                <a:srgbClr val="EA6A62"/>
+              </a:solidFill>
+              <a:latin typeface="Montserrat"/>
+              <a:ea typeface="Montserrat"/>
+              <a:cs typeface="Montserrat"/>
+              <a:sym typeface="Montserrat"/>
+            </a:endParaRPr>
+          </a:p>
+          <a:p>
+            <a:pPr indent="-342900" lvl="0" marL="457200" rtl="0" algn="l">
+              <a:spcBef>
+                <a:spcPts val="0"/>
+              </a:spcBef>
+              <a:spcAft>
+                <a:spcPts val="0"/>
+              </a:spcAft>
+              <a:buClr>
+                <a:srgbClr val="EA6A62"/>
+              </a:buClr>
+              <a:buSzPts val="1800"/>
+              <a:buFont typeface="Montserrat"/>
+              <a:buChar char="●"/>
+            </a:pPr>
+            <a:r>
+              <a:rPr lang="en">
+                <a:solidFill>
+                  <a:srgbClr val="EA6A62"/>
+                </a:solidFill>
+                <a:latin typeface="Montserrat"/>
+                <a:ea typeface="Montserrat"/>
+                <a:cs typeface="Montserrat"/>
+                <a:sym typeface="Montserrat"/>
+              </a:rPr>
+              <a:t>Two options: edit in web browser or download CSV file</a:t>
+            </a:r>
+            <a:endParaRPr>
+              <a:solidFill>
+                <a:srgbClr val="EA6A62"/>
+              </a:solidFill>
+              <a:latin typeface="Montserrat"/>
+              <a:ea typeface="Montserrat"/>
+              <a:cs typeface="Montserrat"/>
+              <a:sym typeface="Montserrat"/>
+            </a:endParaRPr>
+          </a:p>
+          <a:p>
+            <a:pPr indent="0" lvl="0" marL="457200" rtl="0" algn="l">
+              <a:spcBef>
+                <a:spcPts val="1200"/>
+              </a:spcBef>
+              <a:spcAft>
+                <a:spcPts val="1200"/>
+              </a:spcAft>
+              <a:buNone/>
+            </a:pPr>
+            <a:r>
+              <a:t/>
+            </a:r>
+            <a:endParaRPr>
+              <a:latin typeface="Montserrat"/>
+              <a:ea typeface="Montserrat"/>
+              <a:cs typeface="Montserrat"/>
+              <a:sym typeface="Montserrat"/>
+            </a:endParaRPr>
+          </a:p>
+        </p:txBody>
+      </p:sp>
+    </p:spTree>
+  </p:cSld>
+  <p:clrMapOvr>
+    <a:masterClrMapping/>
+  </p:clrMapOvr>
+</p:sld>
+</file>
+
+<file path=ppt/slides/slide3.xml><?xml version="1.0" encoding="utf-8"?>
+<p:sld xmlns:a="http://schemas.openxmlformats.org/drawingml/2006/main" xmlns:r="http://schemas.openxmlformats.org/officeDocument/2006/relationships" xmlns:mc="http://schemas.openxmlformats.org/markup-compatibility/2006" xmlns:mv="urn:schemas-microsoft-com:mac:vml" xmlns:p="http://schemas.openxmlformats.org/presentationml/2006/main" xmlns:c="http://schemas.openxmlformats.org/drawingml/2006/chart" xmlns:dgm="http://schemas.openxmlformats.org/drawingml/2006/diagram" xmlns:o="urn:schemas-microsoft-com:office:office" xmlns:v="urn:schemas-microsoft-com:vml" xmlns:pvml="urn:schemas-microsoft-com:office:powerpoint" xmlns:com="http://schemas.openxmlformats.org/drawingml/2006/compatibility" xmlns:p14="http://schemas.microsoft.com/office/powerpoint/2010/main" xmlns:p15="http://schemas.microsoft.com/office/powerpoint/2012/main" xmlns:ahyp="http://schemas.microsoft.com/office/drawing/2018/hyperlinkcolor">
+  <p:cSld>
+    <p:spTree>
+      <p:nvGrpSpPr>
+        <p:cNvPr id="65" name="Shape 65"/>
+        <p:cNvGrpSpPr/>
+        <p:nvPr/>
+      </p:nvGrpSpPr>
+      <p:grpSpPr>
+        <a:xfrm>
+          <a:off x="0" y="0"/>
+          <a:ext cx="0" cy="0"/>
+          <a:chOff x="0" y="0"/>
+          <a:chExt cx="0" cy="0"/>
+        </a:xfrm>
+      </p:grpSpPr>
+      <p:sp>
+        <p:nvSpPr>
+          <p:cNvPr id="66" name="Google Shape;66;p15"/>
+          <p:cNvSpPr txBox="1"/>
+          <p:nvPr>
+            <p:ph type="title"/>
+          </p:nvPr>
+        </p:nvSpPr>
+        <p:spPr>
+          <a:xfrm>
+            <a:off x="311700" y="445025"/>
+            <a:ext cx="7744800" cy="572700"/>
+          </a:xfrm>
+          <a:prstGeom prst="rect">
+            <a:avLst/>
+          </a:prstGeom>
+        </p:spPr>
+        <p:txBody>
+          <a:bodyPr anchorCtr="0" anchor="t" bIns="91425" lIns="91425" spcFirstLastPara="1" rIns="91425" wrap="square" tIns="91425">
+            <a:normAutofit fontScale="90000"/>
+          </a:bodyPr>
+          <a:lstStyle/>
+          <a:p>
+            <a:pPr indent="0" lvl="0" marL="0" rtl="0" algn="l">
+              <a:spcBef>
+                <a:spcPts val="0"/>
+              </a:spcBef>
+              <a:spcAft>
+                <a:spcPts val="0"/>
+              </a:spcAft>
+              <a:buNone/>
+            </a:pPr>
+            <a:r>
+              <a:rPr lang="en">
+                <a:latin typeface="Montserrat"/>
+                <a:ea typeface="Montserrat"/>
+                <a:cs typeface="Montserrat"/>
+                <a:sym typeface="Montserrat"/>
+              </a:rPr>
+              <a:t>Our Solution - Moodle Grading Assistant</a:t>
+            </a:r>
+            <a:endParaRPr>
+              <a:latin typeface="Montserrat"/>
+              <a:ea typeface="Montserrat"/>
+              <a:cs typeface="Montserrat"/>
+              <a:sym typeface="Montserrat"/>
+            </a:endParaRPr>
+          </a:p>
+        </p:txBody>
+      </p:sp>
+      <p:sp>
+        <p:nvSpPr>
+          <p:cNvPr id="67" name="Google Shape;67;p15"/>
+          <p:cNvSpPr txBox="1"/>
+          <p:nvPr>
+            <p:ph idx="1" type="body"/>
+          </p:nvPr>
+        </p:nvSpPr>
+        <p:spPr>
+          <a:xfrm>
+            <a:off x="370200" y="1075700"/>
+            <a:ext cx="4201800" cy="743100"/>
+          </a:xfrm>
+          <a:prstGeom prst="rect">
+            <a:avLst/>
+          </a:prstGeom>
+        </p:spPr>
+        <p:txBody>
+          <a:bodyPr anchorCtr="0" anchor="t" bIns="91425" lIns="91425" spcFirstLastPara="1" rIns="91425" wrap="square" tIns="91425">
+            <a:noAutofit/>
+          </a:bodyPr>
+          <a:lstStyle/>
+          <a:p>
+            <a:pPr indent="-342900" lvl="0" marL="457200" rtl="0" algn="l">
+              <a:lnSpc>
+                <a:spcPct val="95000"/>
+              </a:lnSpc>
+              <a:spcBef>
+                <a:spcPts val="0"/>
+              </a:spcBef>
+              <a:spcAft>
+                <a:spcPts val="0"/>
+              </a:spcAft>
+              <a:buClr>
+                <a:srgbClr val="5AA263"/>
+              </a:buClr>
+              <a:buSzPts val="1800"/>
+              <a:buFont typeface="Montserrat"/>
+              <a:buChar char="●"/>
+            </a:pPr>
+            <a:r>
+              <a:rPr lang="en">
+                <a:solidFill>
+                  <a:srgbClr val="5AA263"/>
+                </a:solidFill>
+                <a:latin typeface="Montserrat"/>
+                <a:ea typeface="Montserrat"/>
+                <a:cs typeface="Montserrat"/>
+                <a:sym typeface="Montserrat"/>
+              </a:rPr>
+              <a:t>Custom feedback</a:t>
+            </a:r>
+            <a:endParaRPr>
+              <a:solidFill>
+                <a:srgbClr val="5AA263"/>
+              </a:solidFill>
+              <a:latin typeface="Montserrat"/>
+              <a:ea typeface="Montserrat"/>
+              <a:cs typeface="Montserrat"/>
+              <a:sym typeface="Montserrat"/>
+            </a:endParaRPr>
+          </a:p>
+          <a:p>
+            <a:pPr indent="-342900" lvl="0" marL="457200" rtl="0" algn="l">
+              <a:lnSpc>
+                <a:spcPct val="95000"/>
+              </a:lnSpc>
+              <a:spcBef>
+                <a:spcPts val="0"/>
+              </a:spcBef>
+              <a:spcAft>
+                <a:spcPts val="0"/>
+              </a:spcAft>
+              <a:buClr>
+                <a:srgbClr val="5AA263"/>
+              </a:buClr>
+              <a:buSzPts val="1800"/>
+              <a:buFont typeface="Montserrat"/>
+              <a:buChar char="●"/>
+            </a:pPr>
+            <a:r>
+              <a:rPr lang="en">
+                <a:solidFill>
+                  <a:srgbClr val="5AA263"/>
+                </a:solidFill>
+                <a:latin typeface="Montserrat"/>
+                <a:ea typeface="Montserrat"/>
+                <a:cs typeface="Montserrat"/>
+                <a:sym typeface="Montserrat"/>
+              </a:rPr>
+              <a:t>Globally reflected changes</a:t>
+            </a:r>
+            <a:endParaRPr>
+              <a:solidFill>
+                <a:srgbClr val="5AA263"/>
+              </a:solidFill>
+              <a:latin typeface="Montserrat"/>
+              <a:ea typeface="Montserrat"/>
+              <a:cs typeface="Montserrat"/>
+              <a:sym typeface="Montserrat"/>
+            </a:endParaRPr>
+          </a:p>
+        </p:txBody>
+      </p:sp>
+      <p:pic>
+        <p:nvPicPr>
+          <p:cNvPr id="68" name="Google Shape;68;p15"/>
+          <p:cNvPicPr preferRelativeResize="0"/>
+          <p:nvPr/>
+        </p:nvPicPr>
+        <p:blipFill>
+          <a:blip r:embed="rId3">
+            <a:alphaModFix/>
+          </a:blip>
+          <a:stretch>
+            <a:fillRect/>
+          </a:stretch>
+        </p:blipFill>
+        <p:spPr>
+          <a:xfrm>
+            <a:off x="699600" y="1818792"/>
+            <a:ext cx="7744799" cy="3150108"/>
+          </a:xfrm>
+          <a:prstGeom prst="rect">
+            <a:avLst/>
+          </a:prstGeom>
+          <a:noFill/>
+          <a:ln cap="flat" cmpd="sng" w="19050">
+            <a:solidFill>
+              <a:srgbClr val="999999"/>
+            </a:solidFill>
+            <a:prstDash val="solid"/>
+            <a:round/>
+            <a:headEnd len="sm" w="sm" type="none"/>
+            <a:tailEnd len="sm" w="sm" type="none"/>
+          </a:ln>
+        </p:spPr>
+      </p:pic>
+      <p:sp>
+        <p:nvSpPr>
+          <p:cNvPr id="69" name="Google Shape;69;p15"/>
+          <p:cNvSpPr txBox="1"/>
+          <p:nvPr/>
+        </p:nvSpPr>
+        <p:spPr>
+          <a:xfrm>
+            <a:off x="5730425" y="1938325"/>
+            <a:ext cx="2661600" cy="307800"/>
+          </a:xfrm>
+          <a:prstGeom prst="rect">
+            <a:avLst/>
+          </a:prstGeom>
+          <a:noFill/>
+          <a:ln>
+            <a:noFill/>
+          </a:ln>
+        </p:spPr>
+        <p:txBody>
+          <a:bodyPr anchorCtr="0" anchor="t" bIns="91425" lIns="91425" spcFirstLastPara="1" rIns="91425" wrap="square" tIns="91425">
+            <a:spAutoFit/>
+          </a:bodyPr>
+          <a:lstStyle/>
+          <a:p>
+            <a:pPr indent="0" lvl="0" marL="0" rtl="0" algn="l">
+              <a:spcBef>
+                <a:spcPts val="0"/>
+              </a:spcBef>
+              <a:spcAft>
+                <a:spcPts val="0"/>
+              </a:spcAft>
+              <a:buNone/>
+            </a:pPr>
+            <a:r>
+              <a:rPr lang="en" sz="800">
+                <a:solidFill>
+                  <a:schemeClr val="lt2"/>
+                </a:solidFill>
+                <a:latin typeface="Montserrat"/>
+                <a:ea typeface="Montserrat"/>
+                <a:cs typeface="Montserrat"/>
+                <a:sym typeface="Montserrat"/>
+              </a:rPr>
+              <a:t>*** The names on this list are not real students.</a:t>
+            </a:r>
+            <a:endParaRPr sz="800">
+              <a:solidFill>
+                <a:schemeClr val="lt2"/>
+              </a:solidFill>
+              <a:latin typeface="Montserrat"/>
+              <a:ea typeface="Montserrat"/>
+              <a:cs typeface="Montserrat"/>
+              <a:sym typeface="Montserrat"/>
+            </a:endParaRPr>
+          </a:p>
+        </p:txBody>
+      </p:sp>
+    </p:spTree>
+  </p:cSld>
+  <p:clrMapOvr>
+    <a:masterClrMapping/>
+  </p:clrMapOvr>
+</p:sld>
+</file>
+
+<file path=ppt/slides/slide4.xml><?xml version="1.0" encoding="utf-8"?>
+<p:sld xmlns:a="http://schemas.openxmlformats.org/drawingml/2006/main" xmlns:r="http://schemas.openxmlformats.org/officeDocument/2006/relationships" xmlns:mc="http://schemas.openxmlformats.org/markup-compatibility/2006" xmlns:mv="urn:schemas-microsoft-com:mac:vml" xmlns:p="http://schemas.openxmlformats.org/presentationml/2006/main" xmlns:c="http://schemas.openxmlformats.org/drawingml/2006/chart" xmlns:dgm="http://schemas.openxmlformats.org/drawingml/2006/diagram" xmlns:o="urn:schemas-microsoft-com:office:office" xmlns:v="urn:schemas-microsoft-com:vml" xmlns:pvml="urn:schemas-microsoft-com:office:powerpoint" xmlns:com="http://schemas.openxmlformats.org/drawingml/2006/compatibility" xmlns:p14="http://schemas.microsoft.com/office/powerpoint/2010/main" xmlns:p15="http://schemas.microsoft.com/office/powerpoint/2012/main" xmlns:ahyp="http://schemas.microsoft.com/office/drawing/2018/hyperlinkcolor">
+  <p:cSld>
+    <p:spTree>
+      <p:nvGrpSpPr>
+        <p:cNvPr id="73" name="Shape 73"/>
+        <p:cNvGrpSpPr/>
+        <p:nvPr/>
+      </p:nvGrpSpPr>
+      <p:grpSpPr>
+        <a:xfrm>
+          <a:off x="0" y="0"/>
+          <a:ext cx="0" cy="0"/>
+          <a:chOff x="0" y="0"/>
+          <a:chExt cx="0" cy="0"/>
+        </a:xfrm>
+      </p:grpSpPr>
+      <p:sp>
+        <p:nvSpPr>
+          <p:cNvPr id="74" name="Google Shape;74;p16"/>
+          <p:cNvSpPr txBox="1"/>
+          <p:nvPr>
+            <p:ph type="title"/>
+          </p:nvPr>
+        </p:nvSpPr>
+        <p:spPr>
+          <a:xfrm>
+            <a:off x="311700" y="445025"/>
+            <a:ext cx="7744800" cy="572700"/>
+          </a:xfrm>
+          <a:prstGeom prst="rect">
+            <a:avLst/>
+          </a:prstGeom>
+        </p:spPr>
+        <p:txBody>
+          <a:bodyPr anchorCtr="0" anchor="t" bIns="91425" lIns="91425" spcFirstLastPara="1" rIns="91425" wrap="square" tIns="91425">
+            <a:normAutofit fontScale="90000"/>
+          </a:bodyPr>
+          <a:lstStyle/>
+          <a:p>
+            <a:pPr indent="0" lvl="0" marL="0" rtl="0" algn="l">
+              <a:spcBef>
+                <a:spcPts val="0"/>
+              </a:spcBef>
+              <a:spcAft>
+                <a:spcPts val="0"/>
+              </a:spcAft>
+              <a:buNone/>
+            </a:pPr>
+            <a:r>
+              <a:rPr lang="en">
+                <a:latin typeface="Montserrat"/>
+                <a:ea typeface="Montserrat"/>
+                <a:cs typeface="Montserrat"/>
+                <a:sym typeface="Montserrat"/>
+              </a:rPr>
+              <a:t>Our Solution - Moodle Grading Assistant</a:t>
+            </a:r>
+            <a:endParaRPr>
+              <a:latin typeface="Montserrat"/>
+              <a:ea typeface="Montserrat"/>
+              <a:cs typeface="Montserrat"/>
+              <a:sym typeface="Montserrat"/>
+            </a:endParaRPr>
+          </a:p>
+        </p:txBody>
+      </p:sp>
+      <p:sp>
+        <p:nvSpPr>
+          <p:cNvPr id="75" name="Google Shape;75;p16"/>
+          <p:cNvSpPr txBox="1"/>
+          <p:nvPr>
+            <p:ph idx="1" type="body"/>
+          </p:nvPr>
+        </p:nvSpPr>
+        <p:spPr>
+          <a:xfrm>
+            <a:off x="370200" y="965725"/>
+            <a:ext cx="4201800" cy="464100"/>
+          </a:xfrm>
+          <a:prstGeom prst="rect">
+            <a:avLst/>
+          </a:prstGeom>
+        </p:spPr>
+        <p:txBody>
+          <a:bodyPr anchorCtr="0" anchor="t" bIns="91425" lIns="91425" spcFirstLastPara="1" rIns="91425" wrap="square" tIns="91425">
+            <a:noAutofit/>
+          </a:bodyPr>
+          <a:lstStyle/>
+          <a:p>
+            <a:pPr indent="-342900" lvl="0" marL="457200" rtl="0" algn="l">
+              <a:lnSpc>
+                <a:spcPct val="95000"/>
+              </a:lnSpc>
+              <a:spcBef>
+                <a:spcPts val="0"/>
+              </a:spcBef>
+              <a:spcAft>
+                <a:spcPts val="0"/>
+              </a:spcAft>
+              <a:buClr>
+                <a:srgbClr val="5AA263"/>
+              </a:buClr>
+              <a:buSzPts val="1800"/>
+              <a:buFont typeface="Montserrat"/>
+              <a:buChar char="●"/>
+            </a:pPr>
+            <a:r>
+              <a:rPr lang="en">
+                <a:solidFill>
+                  <a:srgbClr val="5AA263"/>
+                </a:solidFill>
+                <a:latin typeface="Montserrat"/>
+                <a:ea typeface="Montserrat"/>
+                <a:cs typeface="Montserrat"/>
+                <a:sym typeface="Montserrat"/>
+              </a:rPr>
+              <a:t>Display grade statistics</a:t>
+            </a:r>
+            <a:endParaRPr>
+              <a:solidFill>
+                <a:srgbClr val="5AA263"/>
+              </a:solidFill>
+              <a:latin typeface="Montserrat"/>
+              <a:ea typeface="Montserrat"/>
+              <a:cs typeface="Montserrat"/>
+              <a:sym typeface="Montserrat"/>
+            </a:endParaRPr>
+          </a:p>
+        </p:txBody>
+      </p:sp>
+      <p:pic>
+        <p:nvPicPr>
+          <p:cNvPr id="76" name="Google Shape;76;p16"/>
+          <p:cNvPicPr preferRelativeResize="0"/>
+          <p:nvPr/>
+        </p:nvPicPr>
+        <p:blipFill>
+          <a:blip r:embed="rId3">
+            <a:alphaModFix/>
+          </a:blip>
+          <a:stretch>
+            <a:fillRect/>
+          </a:stretch>
+        </p:blipFill>
+        <p:spPr>
+          <a:xfrm>
+            <a:off x="1276675" y="1435375"/>
+            <a:ext cx="6590653" cy="3581726"/>
+          </a:xfrm>
+          <a:prstGeom prst="rect">
+            <a:avLst/>
+          </a:prstGeom>
+          <a:noFill/>
+          <a:ln cap="flat" cmpd="sng" w="19050">
+            <a:solidFill>
+              <a:schemeClr val="lt2"/>
+            </a:solidFill>
+            <a:prstDash val="solid"/>
+            <a:round/>
+            <a:headEnd len="sm" w="sm" type="none"/>
+            <a:tailEnd len="sm" w="sm" type="none"/>
+          </a:ln>
+        </p:spPr>
+      </p:pic>
+    </p:spTree>
+  </p:cSld>
+  <p:clrMapOvr>
+    <a:masterClrMapping/>
+  </p:clrMapOvr>
+</p:sld>
+</file>
+
+<file path=ppt/slides/slide5.xml><?xml version="1.0" encoding="utf-8"?>
+<p:sld xmlns:a="http://schemas.openxmlformats.org/drawingml/2006/main" xmlns:r="http://schemas.openxmlformats.org/officeDocument/2006/relationships" xmlns:mc="http://schemas.openxmlformats.org/markup-compatibility/2006" xmlns:mv="urn:schemas-microsoft-com:mac:vml" xmlns:p="http://schemas.openxmlformats.org/presentationml/2006/main" xmlns:c="http://schemas.openxmlformats.org/drawingml/2006/chart" xmlns:dgm="http://schemas.openxmlformats.org/drawingml/2006/diagram" xmlns:o="urn:schemas-microsoft-com:office:office" xmlns:v="urn:schemas-microsoft-com:vml" xmlns:pvml="urn:schemas-microsoft-com:office:powerpoint" xmlns:com="http://schemas.openxmlformats.org/drawingml/2006/compatibility" xmlns:p14="http://schemas.microsoft.com/office/powerpoint/2010/main" xmlns:p15="http://schemas.microsoft.com/office/powerpoint/2012/main" xmlns:ahyp="http://schemas.microsoft.com/office/drawing/2018/hyperlinkcolor">
+  <p:cSld>
+    <p:spTree>
+      <p:nvGrpSpPr>
+        <p:cNvPr id="80" name="Shape 80"/>
+        <p:cNvGrpSpPr/>
+        <p:nvPr/>
+      </p:nvGrpSpPr>
+      <p:grpSpPr>
+        <a:xfrm>
+          <a:off x="0" y="0"/>
+          <a:ext cx="0" cy="0"/>
+          <a:chOff x="0" y="0"/>
+          <a:chExt cx="0" cy="0"/>
+        </a:xfrm>
+      </p:grpSpPr>
+      <p:sp>
+        <p:nvSpPr>
+          <p:cNvPr id="81" name="Google Shape;81;p17"/>
+          <p:cNvSpPr txBox="1"/>
+          <p:nvPr>
+            <p:ph type="title"/>
+          </p:nvPr>
+        </p:nvSpPr>
+        <p:spPr>
+          <a:xfrm>
+            <a:off x="311700" y="292625"/>
+            <a:ext cx="8520600" cy="572700"/>
+          </a:xfrm>
+          <a:prstGeom prst="rect">
+            <a:avLst/>
+          </a:prstGeom>
+        </p:spPr>
+        <p:txBody>
+          <a:bodyPr anchorCtr="0" anchor="t" bIns="91425" lIns="91425" spcFirstLastPara="1" rIns="91425" wrap="square" tIns="91425">
+            <a:normAutofit fontScale="90000"/>
+          </a:bodyPr>
+          <a:lstStyle/>
+          <a:p>
+            <a:pPr indent="0" lvl="0" marL="0" rtl="0" algn="l">
+              <a:spcBef>
+                <a:spcPts val="0"/>
+              </a:spcBef>
+              <a:spcAft>
+                <a:spcPts val="0"/>
+              </a:spcAft>
+              <a:buNone/>
+            </a:pPr>
+            <a:r>
+              <a:rPr lang="en">
+                <a:latin typeface="Montserrat"/>
+                <a:ea typeface="Montserrat"/>
+                <a:cs typeface="Montserrat"/>
+                <a:sym typeface="Montserrat"/>
+              </a:rPr>
+              <a:t>Application in action...</a:t>
+            </a:r>
+            <a:endParaRPr>
+              <a:latin typeface="Montserrat"/>
+              <a:ea typeface="Montserrat"/>
+              <a:cs typeface="Montserrat"/>
+              <a:sym typeface="Montserrat"/>
+            </a:endParaRPr>
+          </a:p>
+        </p:txBody>
+      </p:sp>
+    </p:spTree>
+  </p:cSld>
+  <p:clrMapOvr>
+    <a:masterClrMapping/>
+  </p:clrMapOvr>
+</p:sld>
+</file>
+
+<file path=ppt/slides/slide6.xml><?xml version="1.0" encoding="utf-8"?>
+<p:sld xmlns:a="http://schemas.openxmlformats.org/drawingml/2006/main" xmlns:r="http://schemas.openxmlformats.org/officeDocument/2006/relationships" xmlns:mc="http://schemas.openxmlformats.org/markup-compatibility/2006" xmlns:mv="urn:schemas-microsoft-com:mac:vml" xmlns:p="http://schemas.openxmlformats.org/presentationml/2006/main" xmlns:c="http://schemas.openxmlformats.org/drawingml/2006/chart" xmlns:dgm="http://schemas.openxmlformats.org/drawingml/2006/diagram" xmlns:o="urn:schemas-microsoft-com:office:office" xmlns:v="urn:schemas-microsoft-com:vml" xmlns:pvml="urn:schemas-microsoft-com:office:powerpoint" xmlns:com="http://schemas.openxmlformats.org/drawingml/2006/compatibility" xmlns:p14="http://schemas.microsoft.com/office/powerpoint/2010/main" xmlns:p15="http://schemas.microsoft.com/office/powerpoint/2012/main" xmlns:ahyp="http://schemas.microsoft.com/office/drawing/2018/hyperlinkcolor">
+  <p:cSld>
+    <p:spTree>
+      <p:nvGrpSpPr>
+        <p:cNvPr id="85" name="Shape 85"/>
+        <p:cNvGrpSpPr/>
+        <p:nvPr/>
+      </p:nvGrpSpPr>
+      <p:grpSpPr>
+        <a:xfrm>
+          <a:off x="0" y="0"/>
+          <a:ext cx="0" cy="0"/>
+          <a:chOff x="0" y="0"/>
+          <a:chExt cx="0" cy="0"/>
+        </a:xfrm>
+      </p:grpSpPr>
+      <p:pic>
+        <p:nvPicPr>
+          <p:cNvPr id="86" name="Google Shape;86;p18" title="App Demo">
+            <a:hlinkClick r:id="rId3"/>
+          </p:cNvPr>
+          <p:cNvPicPr preferRelativeResize="0"/>
+          <p:nvPr/>
+        </p:nvPicPr>
+        <p:blipFill>
+          <a:blip r:embed="rId4">
+            <a:alphaModFix/>
+          </a:blip>
+          <a:stretch>
+            <a:fillRect/>
+          </a:stretch>
+        </p:blipFill>
+        <p:spPr>
+          <a:xfrm>
+            <a:off x="1331563" y="141425"/>
+            <a:ext cx="6480875" cy="4864608"/>
+          </a:xfrm>
+          <a:prstGeom prst="rect">
+            <a:avLst/>
+          </a:prstGeom>
+          <a:noFill/>
+          <a:ln>
+            <a:noFill/>
+          </a:ln>
+        </p:spPr>
+      </p:pic>
+    </p:spTree>
+  </p:cSld>
+  <p:clrMapOvr>
+    <a:masterClrMapping/>
+  </p:clrMapOvr>
+  <p:timing>
+    <p:tnLst>
+      <p:par>
+        <p:cTn dur="indefinite" nodeType="tmRoot" restart="never">
+          <p:childTnLst>
+            <p:seq concurrent="1" nextAc="seek">
+              <p:cTn dur="indefinite" id="2" nodeType="mainSeq">
+                <p:childTnLst>
+                  <p:par>
+                    <p:cTn fill="hold">
+                      <p:stCondLst>
+                        <p:cond delay="indefinite"/>
+                      </p:stCondLst>
+                      <p:childTnLst>
+                        <p:par>
+                          <p:cTn fill="hold">
+                            <p:stCondLst>
+                              <p:cond delay="0"/>
+                            </p:stCondLst>
+                            <p:childTnLst>
+                              <p:par>
+                                <p:cTn fill="hold" nodeType="clickEffect" presetClass="entr" presetID="10" presetSubtype="0">
+                                  <p:stCondLst>
+                                    <p:cond delay="0"/>
+                                  </p:stCondLst>
+                                  <p:childTnLst>
+                                    <p:set>
+                                      <p:cBhvr>
+                                        <p:cTn dur="1" fill="hold">
+                                          <p:stCondLst>
+                                            <p:cond delay="0"/>
+                                          </p:stCondLst>
+                                        </p:cTn>
+                                        <p:tgtEl>
+                                          <p:spTgt spid="86"/>
+                                        </p:tgtEl>
+                                        <p:attrNameLst>
+                                          <p:attrName>style.visibility</p:attrName>
+                                        </p:attrNameLst>
+                                      </p:cBhvr>
+                                      <p:to>
+                                        <p:strVal val="visible"/>
+                                      </p:to>
+                                    </p:set>
+                                    <p:animEffect filter="fade" transition="in">
+                                      <p:cBhvr>
+                                        <p:cTn dur="1000"/>
+                                        <p:tgtEl>
+                                          <p:spTgt spid="86"/>
+                                        </p:tgtEl>
+                                      </p:cBhvr>
+                                    </p:animEffect>
+                                  </p:childTnLst>
+                                </p:cTn>
+                              </p:par>
+                            </p:childTnLst>
+                          </p:cTn>
+                        </p:par>
+                      </p:childTnLst>
+                    </p:cTn>
+                  </p:par>
+                </p:childTnLst>
+              </p:cTn>
+              <p:prevCondLst>
+                <p:cond evt="onPrev">
+                  <p:tgtEl>
+                    <p:sldTgt/>
+                  </p:tgtEl>
+                </p:cond>
+              </p:prevCondLst>
+              <p:nextCondLst>
+                <p:cond evt="onNext">
+                  <p:tgtEl>
+                    <p:sldTgt/>
+                  </p:tgtEl>
+                </p:cond>
+              </p:nextCondLst>
+            </p:seq>
+          </p:childTnLst>
+        </p:cTn>
+      </p:par>
+    </p:tnLst>
+  </p:timing>
+</p:sld>
+</file>
+
+<file path=ppt/slides/slide7.xml><?xml version="1.0" encoding="utf-8"?>
+<p:sld xmlns:a="http://schemas.openxmlformats.org/drawingml/2006/main" xmlns:r="http://schemas.openxmlformats.org/officeDocument/2006/relationships" xmlns:mc="http://schemas.openxmlformats.org/markup-compatibility/2006" xmlns:mv="urn:schemas-microsoft-com:mac:vml" xmlns:p="http://schemas.openxmlformats.org/presentationml/2006/main" xmlns:c="http://schemas.openxmlformats.org/drawingml/2006/chart" xmlns:dgm="http://schemas.openxmlformats.org/drawingml/2006/diagram" xmlns:o="urn:schemas-microsoft-com:office:office" xmlns:v="urn:schemas-microsoft-com:vml" xmlns:pvml="urn:schemas-microsoft-com:office:powerpoint" xmlns:com="http://schemas.openxmlformats.org/drawingml/2006/compatibility" xmlns:p14="http://schemas.microsoft.com/office/powerpoint/2010/main" xmlns:p15="http://schemas.microsoft.com/office/powerpoint/2012/main" xmlns:ahyp="http://schemas.microsoft.com/office/drawing/2018/hyperlinkcolor">
+  <p:cSld>
+    <p:spTree>
+      <p:nvGrpSpPr>
+        <p:cNvPr id="90" name="Shape 90"/>
+        <p:cNvGrpSpPr/>
+        <p:nvPr/>
+      </p:nvGrpSpPr>
+      <p:grpSpPr>
+        <a:xfrm>
+          <a:off x="0" y="0"/>
+          <a:ext cx="0" cy="0"/>
+          <a:chOff x="0" y="0"/>
+          <a:chExt cx="0" cy="0"/>
+        </a:xfrm>
+      </p:grpSpPr>
+      <p:sp>
+        <p:nvSpPr>
+          <p:cNvPr id="91" name="Google Shape;91;p19"/>
+          <p:cNvSpPr txBox="1"/>
+          <p:nvPr>
+            <p:ph type="title"/>
+          </p:nvPr>
+        </p:nvSpPr>
+        <p:spPr>
+          <a:xfrm>
+            <a:off x="311700" y="445025"/>
+            <a:ext cx="8520600" cy="572700"/>
+          </a:xfrm>
+          <a:prstGeom prst="rect">
+            <a:avLst/>
+          </a:prstGeom>
+        </p:spPr>
+        <p:txBody>
+          <a:bodyPr anchorCtr="0" anchor="t" bIns="91425" lIns="91425" spcFirstLastPara="1" rIns="91425" wrap="square" tIns="91425">
+            <a:normAutofit fontScale="90000"/>
+          </a:bodyPr>
+          <a:lstStyle/>
+          <a:p>
+            <a:pPr indent="0" lvl="0" marL="0" rtl="0" algn="l">
+              <a:spcBef>
+                <a:spcPts val="0"/>
+              </a:spcBef>
+              <a:spcAft>
+                <a:spcPts val="0"/>
+              </a:spcAft>
+              <a:buNone/>
+            </a:pPr>
+            <a:r>
+              <a:rPr lang="en">
+                <a:latin typeface="Montserrat"/>
+                <a:ea typeface="Montserrat"/>
+                <a:cs typeface="Montserrat"/>
+                <a:sym typeface="Montserrat"/>
+              </a:rPr>
+              <a:t>Our Development Process</a:t>
+            </a:r>
+            <a:endParaRPr>
+              <a:latin typeface="Montserrat"/>
+              <a:ea typeface="Montserrat"/>
+              <a:cs typeface="Montserrat"/>
+              <a:sym typeface="Montserrat"/>
+            </a:endParaRPr>
+          </a:p>
+        </p:txBody>
+      </p:sp>
+      <p:sp>
+        <p:nvSpPr>
+          <p:cNvPr id="92" name="Google Shape;92;p19"/>
+          <p:cNvSpPr txBox="1"/>
+          <p:nvPr>
+            <p:ph idx="1" type="body"/>
+          </p:nvPr>
+        </p:nvSpPr>
+        <p:spPr>
+          <a:xfrm>
+            <a:off x="311700" y="1152475"/>
+            <a:ext cx="8083200" cy="1470000"/>
+          </a:xfrm>
+          <a:prstGeom prst="rect">
+            <a:avLst/>
+          </a:prstGeom>
+        </p:spPr>
+        <p:txBody>
+          <a:bodyPr anchorCtr="0" anchor="t" bIns="91425" lIns="91425" spcFirstLastPara="1" rIns="91425" wrap="square" tIns="91425">
+            <a:noAutofit/>
+          </a:bodyPr>
+          <a:lstStyle/>
+          <a:p>
+            <a:pPr indent="-344805" lvl="0" marL="457200" rtl="0" algn="l">
+              <a:lnSpc>
+                <a:spcPct val="95000"/>
+              </a:lnSpc>
+              <a:spcBef>
+                <a:spcPts val="0"/>
+              </a:spcBef>
+              <a:spcAft>
+                <a:spcPts val="0"/>
+              </a:spcAft>
+              <a:buClr>
+                <a:srgbClr val="778AD5"/>
+              </a:buClr>
+              <a:buSzPts val="1830"/>
+              <a:buFont typeface="Montserrat"/>
+              <a:buChar char="●"/>
+            </a:pPr>
+            <a:r>
+              <a:rPr lang="en" sz="1829">
+                <a:solidFill>
+                  <a:srgbClr val="778AD5"/>
+                </a:solidFill>
+                <a:latin typeface="Montserrat"/>
+                <a:ea typeface="Montserrat"/>
+                <a:cs typeface="Montserrat"/>
+                <a:sym typeface="Montserrat"/>
+              </a:rPr>
+              <a:t>End-to-end tests using Cypress</a:t>
+            </a:r>
+            <a:endParaRPr sz="1829">
+              <a:solidFill>
+                <a:srgbClr val="778AD5"/>
+              </a:solidFill>
+              <a:latin typeface="Montserrat"/>
+              <a:ea typeface="Montserrat"/>
+              <a:cs typeface="Montserrat"/>
+              <a:sym typeface="Montserrat"/>
+            </a:endParaRPr>
+          </a:p>
+          <a:p>
+            <a:pPr indent="-344805" lvl="0" marL="457200" rtl="0" algn="l">
+              <a:lnSpc>
+                <a:spcPct val="95000"/>
+              </a:lnSpc>
+              <a:spcBef>
+                <a:spcPts val="0"/>
+              </a:spcBef>
+              <a:spcAft>
+                <a:spcPts val="0"/>
+              </a:spcAft>
+              <a:buClr>
+                <a:srgbClr val="778AD5"/>
+              </a:buClr>
+              <a:buSzPts val="1830"/>
+              <a:buFont typeface="Montserrat"/>
+              <a:buChar char="●"/>
+            </a:pPr>
+            <a:r>
+              <a:rPr lang="en" sz="1829">
+                <a:solidFill>
+                  <a:srgbClr val="778AD5"/>
+                </a:solidFill>
+                <a:latin typeface="Montserrat"/>
+                <a:ea typeface="Montserrat"/>
+                <a:cs typeface="Montserrat"/>
+                <a:sym typeface="Montserrat"/>
+              </a:rPr>
+              <a:t>User story implementation</a:t>
+            </a:r>
+            <a:endParaRPr sz="1829">
+              <a:solidFill>
+                <a:srgbClr val="778AD5"/>
+              </a:solidFill>
+              <a:latin typeface="Montserrat"/>
+              <a:ea typeface="Montserrat"/>
+              <a:cs typeface="Montserrat"/>
+              <a:sym typeface="Montserrat"/>
+            </a:endParaRPr>
+          </a:p>
+        </p:txBody>
+      </p:sp>
+    </p:spTree>
+  </p:cSld>
+  <p:clrMapOvr>
+    <a:masterClrMapping/>
+  </p:clrMapOvr>
+</p:sld>
+</file>
+
+<file path=ppt/slides/slide8.xml><?xml version="1.0" encoding="utf-8"?>
+<p:sld xmlns:a="http://schemas.openxmlformats.org/drawingml/2006/main" xmlns:r="http://schemas.openxmlformats.org/officeDocument/2006/relationships" xmlns:mc="http://schemas.openxmlformats.org/markup-compatibility/2006" xmlns:mv="urn:schemas-microsoft-com:mac:vml" xmlns:p="http://schemas.openxmlformats.org/presentationml/2006/main" xmlns:c="http://schemas.openxmlformats.org/drawingml/2006/chart" xmlns:dgm="http://schemas.openxmlformats.org/drawingml/2006/diagram" xmlns:o="urn:schemas-microsoft-com:office:office" xmlns:v="urn:schemas-microsoft-com:vml" xmlns:pvml="urn:schemas-microsoft-com:office:powerpoint" xmlns:com="http://schemas.openxmlformats.org/drawingml/2006/compatibility" xmlns:p14="http://schemas.microsoft.com/office/powerpoint/2010/main" xmlns:p15="http://schemas.microsoft.com/office/powerpoint/2012/main" xmlns:ahyp="http://schemas.microsoft.com/office/drawing/2018/hyperlinkcolor">
+  <p:cSld>
+    <p:spTree>
+      <p:nvGrpSpPr>
+        <p:cNvPr id="96" name="Shape 96"/>
+        <p:cNvGrpSpPr/>
+        <p:nvPr/>
+      </p:nvGrpSpPr>
+      <p:grpSpPr>
+        <a:xfrm>
+          <a:off x="0" y="0"/>
+          <a:ext cx="0" cy="0"/>
+          <a:chOff x="0" y="0"/>
+          <a:chExt cx="0" cy="0"/>
+        </a:xfrm>
+      </p:grpSpPr>
+      <p:sp>
+        <p:nvSpPr>
+          <p:cNvPr id="97" name="Google Shape;97;p20"/>
+          <p:cNvSpPr txBox="1"/>
+          <p:nvPr>
+            <p:ph type="title"/>
+          </p:nvPr>
+        </p:nvSpPr>
+        <p:spPr>
+          <a:xfrm>
+            <a:off x="311700" y="445025"/>
+            <a:ext cx="8520600" cy="572700"/>
+          </a:xfrm>
+          <a:prstGeom prst="rect">
+            <a:avLst/>
+          </a:prstGeom>
+        </p:spPr>
+        <p:txBody>
+          <a:bodyPr anchorCtr="0" anchor="t" bIns="91425" lIns="91425" spcFirstLastPara="1" rIns="91425" wrap="square" tIns="91425">
+            <a:normAutofit fontScale="90000"/>
+          </a:bodyPr>
+          <a:lstStyle/>
+          <a:p>
+            <a:pPr indent="0" lvl="0" marL="0" rtl="0" algn="l">
+              <a:spcBef>
+                <a:spcPts val="0"/>
+              </a:spcBef>
+              <a:spcAft>
+                <a:spcPts val="0"/>
+              </a:spcAft>
+              <a:buNone/>
+            </a:pPr>
+            <a:r>
+              <a:rPr lang="en">
+                <a:latin typeface="Montserrat"/>
+                <a:ea typeface="Montserrat"/>
+                <a:cs typeface="Montserrat"/>
+                <a:sym typeface="Montserrat"/>
+              </a:rPr>
+              <a:t>Developing Tools</a:t>
+            </a:r>
+            <a:endParaRPr>
+              <a:latin typeface="Montserrat"/>
+              <a:ea typeface="Montserrat"/>
+              <a:cs typeface="Montserrat"/>
+              <a:sym typeface="Montserrat"/>
+            </a:endParaRPr>
+          </a:p>
+        </p:txBody>
+      </p:sp>
+      <p:sp>
+        <p:nvSpPr>
+          <p:cNvPr id="98" name="Google Shape;98;p20"/>
+          <p:cNvSpPr txBox="1"/>
+          <p:nvPr>
+            <p:ph idx="1" type="body"/>
+          </p:nvPr>
+        </p:nvSpPr>
+        <p:spPr>
+          <a:xfrm>
+            <a:off x="311700" y="1152475"/>
+            <a:ext cx="8520600" cy="3416400"/>
+          </a:xfrm>
+          <a:prstGeom prst="rect">
+            <a:avLst/>
+          </a:prstGeom>
+        </p:spPr>
+        <p:txBody>
+          <a:bodyPr anchorCtr="0" anchor="t" bIns="91425" lIns="91425" spcFirstLastPara="1" rIns="91425" wrap="square" tIns="91425">
+            <a:normAutofit/>
+          </a:bodyPr>
+          <a:lstStyle/>
+          <a:p>
+            <a:pPr indent="-342900" lvl="0" marL="457200" rtl="0" algn="l">
+              <a:spcBef>
+                <a:spcPts val="0"/>
+              </a:spcBef>
+              <a:spcAft>
+                <a:spcPts val="0"/>
+              </a:spcAft>
+              <a:buClr>
+                <a:srgbClr val="778AD5"/>
+              </a:buClr>
+              <a:buSzPts val="1800"/>
+              <a:buFont typeface="Montserrat"/>
+              <a:buChar char="●"/>
+            </a:pPr>
+            <a:r>
+              <a:rPr lang="en">
+                <a:solidFill>
+                  <a:srgbClr val="778AD5"/>
+                </a:solidFill>
+                <a:latin typeface="Montserrat"/>
+                <a:ea typeface="Montserrat"/>
+                <a:cs typeface="Montserrat"/>
+                <a:sym typeface="Montserrat"/>
+              </a:rPr>
+              <a:t>Angular</a:t>
+            </a:r>
+            <a:endParaRPr>
+              <a:solidFill>
+                <a:srgbClr val="778AD5"/>
+              </a:solidFill>
+              <a:latin typeface="Montserrat"/>
+              <a:ea typeface="Montserrat"/>
+              <a:cs typeface="Montserrat"/>
+              <a:sym typeface="Montserrat"/>
+            </a:endParaRPr>
+          </a:p>
+          <a:p>
+            <a:pPr indent="-342900" lvl="0" marL="457200" rtl="0" algn="l">
+              <a:spcBef>
+                <a:spcPts val="0"/>
+              </a:spcBef>
+              <a:spcAft>
+                <a:spcPts val="0"/>
+              </a:spcAft>
+              <a:buClr>
+                <a:srgbClr val="778AD5"/>
+              </a:buClr>
+              <a:buSzPts val="1800"/>
+              <a:buFont typeface="Montserrat"/>
+              <a:buChar char="●"/>
+            </a:pPr>
+            <a:r>
+              <a:rPr lang="en">
+                <a:solidFill>
+                  <a:srgbClr val="778AD5"/>
+                </a:solidFill>
+                <a:latin typeface="Montserrat"/>
+                <a:ea typeface="Montserrat"/>
+                <a:cs typeface="Montserrat"/>
+                <a:sym typeface="Montserrat"/>
+              </a:rPr>
+              <a:t>Bootstrap</a:t>
+            </a:r>
+            <a:endParaRPr>
+              <a:solidFill>
+                <a:srgbClr val="778AD5"/>
+              </a:solidFill>
+              <a:latin typeface="Montserrat"/>
+              <a:ea typeface="Montserrat"/>
+              <a:cs typeface="Montserrat"/>
+              <a:sym typeface="Montserrat"/>
+            </a:endParaRPr>
+          </a:p>
+          <a:p>
+            <a:pPr indent="-342900" lvl="0" marL="457200" rtl="0" algn="l">
+              <a:spcBef>
+                <a:spcPts val="0"/>
+              </a:spcBef>
+              <a:spcAft>
+                <a:spcPts val="0"/>
+              </a:spcAft>
+              <a:buClr>
+                <a:srgbClr val="778AD5"/>
+              </a:buClr>
+              <a:buSzPts val="1800"/>
+              <a:buFont typeface="Montserrat"/>
+              <a:buChar char="●"/>
+            </a:pPr>
+            <a:r>
+              <a:rPr lang="en">
+                <a:solidFill>
+                  <a:srgbClr val="778AD5"/>
+                </a:solidFill>
+                <a:latin typeface="Montserrat"/>
+                <a:ea typeface="Montserrat"/>
+                <a:cs typeface="Montserrat"/>
+                <a:sym typeface="Montserrat"/>
+              </a:rPr>
+              <a:t>Apex Charts</a:t>
+            </a:r>
+            <a:endParaRPr>
+              <a:solidFill>
+                <a:srgbClr val="778AD5"/>
+              </a:solidFill>
+              <a:latin typeface="Montserrat"/>
+              <a:ea typeface="Montserrat"/>
+              <a:cs typeface="Montserrat"/>
+              <a:sym typeface="Montserrat"/>
+            </a:endParaRPr>
+          </a:p>
+          <a:p>
+            <a:pPr indent="-342900" lvl="0" marL="457200" rtl="0" algn="l">
+              <a:spcBef>
+                <a:spcPts val="0"/>
+              </a:spcBef>
+              <a:spcAft>
+                <a:spcPts val="0"/>
+              </a:spcAft>
+              <a:buClr>
+                <a:srgbClr val="778AD5"/>
+              </a:buClr>
+              <a:buSzPts val="1800"/>
+              <a:buFont typeface="Montserrat"/>
+              <a:buChar char="●"/>
+            </a:pPr>
+            <a:r>
+              <a:rPr lang="en">
+                <a:solidFill>
+                  <a:srgbClr val="778AD5"/>
+                </a:solidFill>
+                <a:latin typeface="Montserrat"/>
+                <a:ea typeface="Montserrat"/>
+                <a:cs typeface="Montserrat"/>
+                <a:sym typeface="Montserrat"/>
+              </a:rPr>
+              <a:t>Cypress </a:t>
+            </a:r>
+            <a:endParaRPr>
+              <a:solidFill>
+                <a:srgbClr val="778AD5"/>
+              </a:solidFill>
+              <a:latin typeface="Montserrat"/>
+              <a:ea typeface="Montserrat"/>
+              <a:cs typeface="Montserrat"/>
+              <a:sym typeface="Montserrat"/>
+            </a:endParaRPr>
+          </a:p>
+          <a:p>
+            <a:pPr indent="-342900" lvl="0" marL="457200" rtl="0" algn="l">
+              <a:spcBef>
+                <a:spcPts val="0"/>
+              </a:spcBef>
+              <a:spcAft>
+                <a:spcPts val="0"/>
+              </a:spcAft>
+              <a:buClr>
+                <a:srgbClr val="778AD5"/>
+              </a:buClr>
+              <a:buSzPts val="1800"/>
+              <a:buFont typeface="Montserrat"/>
+              <a:buChar char="●"/>
+            </a:pPr>
+            <a:r>
+              <a:rPr lang="en">
+                <a:solidFill>
+                  <a:srgbClr val="778AD5"/>
+                </a:solidFill>
+                <a:latin typeface="Montserrat"/>
+                <a:ea typeface="Montserrat"/>
+                <a:cs typeface="Montserrat"/>
+                <a:sym typeface="Montserrat"/>
+              </a:rPr>
+              <a:t>GitHub</a:t>
+            </a:r>
+            <a:endParaRPr>
+              <a:solidFill>
+                <a:srgbClr val="778AD5"/>
+              </a:solidFill>
+              <a:latin typeface="Montserrat"/>
+              <a:ea typeface="Montserrat"/>
+              <a:cs typeface="Montserrat"/>
+              <a:sym typeface="Montserrat"/>
+            </a:endParaRPr>
+          </a:p>
+        </p:txBody>
+      </p:sp>
+    </p:spTree>
+  </p:cSld>
+  <p:clrMapOvr>
+    <a:masterClrMapping/>
+  </p:clrMapOvr>
+</p:sld>
+</file>
+
+<file path=ppt/slides/slide9.xml><?xml version="1.0" encoding="utf-8"?>
+<p:sld xmlns:a="http://schemas.openxmlformats.org/drawingml/2006/main" xmlns:r="http://schemas.openxmlformats.org/officeDocument/2006/relationships" xmlns:mc="http://schemas.openxmlformats.org/markup-compatibility/2006" xmlns:mv="urn:schemas-microsoft-com:mac:vml" xmlns:p="http://schemas.openxmlformats.org/presentationml/2006/main" xmlns:c="http://schemas.openxmlformats.org/drawingml/2006/chart" xmlns:dgm="http://schemas.openxmlformats.org/drawingml/2006/diagram" xmlns:o="urn:schemas-microsoft-com:office:office" xmlns:v="urn:schemas-microsoft-com:vml" xmlns:pvml="urn:schemas-microsoft-com:office:powerpoint" xmlns:com="http://schemas.openxmlformats.org/drawingml/2006/compatibility" xmlns:p14="http://schemas.microsoft.com/office/powerpoint/2010/main" xmlns:p15="http://schemas.microsoft.com/office/powerpoint/2012/main" xmlns:ahyp="http://schemas.microsoft.com/office/drawing/2018/hyperlinkcolor">
+  <p:cSld>
+    <p:spTree>
+      <p:nvGrpSpPr>
+        <p:cNvPr id="102" name="Shape 102"/>
+        <p:cNvGrpSpPr/>
+        <p:nvPr/>
+      </p:nvGrpSpPr>
+      <p:grpSpPr>
+        <a:xfrm>
+          <a:off x="0" y="0"/>
+          <a:ext cx="0" cy="0"/>
+          <a:chOff x="0" y="0"/>
+          <a:chExt cx="0" cy="0"/>
+        </a:xfrm>
+      </p:grpSpPr>
+      <p:sp>
+        <p:nvSpPr>
+          <p:cNvPr id="103" name="Google Shape;103;p21"/>
+          <p:cNvSpPr txBox="1"/>
+          <p:nvPr>
+            <p:ph type="title"/>
+          </p:nvPr>
+        </p:nvSpPr>
+        <p:spPr>
+          <a:xfrm>
+            <a:off x="311700" y="445025"/>
+            <a:ext cx="8520600" cy="572700"/>
+          </a:xfrm>
+          <a:prstGeom prst="rect">
+            <a:avLst/>
+          </a:prstGeom>
+        </p:spPr>
+        <p:txBody>
+          <a:bodyPr anchorCtr="0" anchor="t" bIns="91425" lIns="91425" spcFirstLastPara="1" rIns="91425" wrap="square" tIns="91425">
+            <a:normAutofit fontScale="90000"/>
+          </a:bodyPr>
+          <a:lstStyle/>
+          <a:p>
+            <a:pPr indent="0" lvl="0" marL="0" rtl="0" algn="l">
+              <a:spcBef>
+                <a:spcPts val="0"/>
+              </a:spcBef>
+              <a:spcAft>
+                <a:spcPts val="0"/>
+              </a:spcAft>
+              <a:buNone/>
+            </a:pPr>
+            <a:r>
+              <a:rPr lang="en">
+                <a:latin typeface="Montserrat"/>
+                <a:ea typeface="Montserrat"/>
+                <a:cs typeface="Montserrat"/>
+                <a:sym typeface="Montserrat"/>
+              </a:rPr>
+              <a:t>Design Norms</a:t>
+            </a:r>
+            <a:endParaRPr>
+              <a:latin typeface="Montserrat"/>
+              <a:ea typeface="Montserrat"/>
+              <a:cs typeface="Montserrat"/>
+              <a:sym typeface="Montserrat"/>
+            </a:endParaRPr>
+          </a:p>
+        </p:txBody>
+      </p:sp>
+      <p:sp>
+        <p:nvSpPr>
+          <p:cNvPr id="104" name="Google Shape;104;p21"/>
+          <p:cNvSpPr txBox="1"/>
+          <p:nvPr>
+            <p:ph idx="1" type="body"/>
+          </p:nvPr>
+        </p:nvSpPr>
+        <p:spPr>
+          <a:xfrm>
+            <a:off x="311700" y="1152475"/>
+            <a:ext cx="8520600" cy="3416400"/>
+          </a:xfrm>
+          <a:prstGeom prst="rect">
+            <a:avLst/>
+          </a:prstGeom>
+        </p:spPr>
+        <p:txBody>
+          <a:bodyPr anchorCtr="0" anchor="t" bIns="91425" lIns="91425" spcFirstLastPara="1" rIns="91425" wrap="square" tIns="91425">
+            <a:normAutofit/>
+          </a:bodyPr>
+          <a:lstStyle/>
+          <a:p>
+            <a:pPr indent="-342900" lvl="0" marL="457200" rtl="0" algn="l">
+              <a:spcBef>
+                <a:spcPts val="0"/>
+              </a:spcBef>
+              <a:spcAft>
+                <a:spcPts val="0"/>
+              </a:spcAft>
+              <a:buClr>
+                <a:srgbClr val="5AA263"/>
+              </a:buClr>
+              <a:buSzPts val="1800"/>
+              <a:buFont typeface="Montserrat"/>
+              <a:buChar char="●"/>
+            </a:pPr>
+            <a:r>
+              <a:rPr lang="en">
+                <a:solidFill>
+                  <a:srgbClr val="5AA263"/>
+                </a:solidFill>
+                <a:latin typeface="Montserrat"/>
+                <a:ea typeface="Montserrat"/>
+                <a:cs typeface="Montserrat"/>
+                <a:sym typeface="Montserrat"/>
+              </a:rPr>
+              <a:t>Cultural Appropriateness</a:t>
+            </a:r>
+            <a:endParaRPr>
+              <a:solidFill>
+                <a:srgbClr val="5AA263"/>
+              </a:solidFill>
+              <a:latin typeface="Montserrat"/>
+              <a:ea typeface="Montserrat"/>
+              <a:cs typeface="Montserrat"/>
+              <a:sym typeface="Montserrat"/>
+            </a:endParaRPr>
+          </a:p>
+          <a:p>
+            <a:pPr indent="-317500" lvl="1" marL="914400" rtl="0" algn="l">
+              <a:lnSpc>
+                <a:spcPct val="150000"/>
+              </a:lnSpc>
+              <a:spcBef>
+                <a:spcPts val="0"/>
+              </a:spcBef>
+              <a:spcAft>
+                <a:spcPts val="0"/>
+              </a:spcAft>
+              <a:buClr>
+                <a:srgbClr val="5AA263"/>
+              </a:buClr>
+              <a:buSzPts val="1400"/>
+              <a:buFont typeface="Montserrat"/>
+              <a:buChar char="○"/>
+            </a:pPr>
+            <a:r>
+              <a:rPr lang="en">
+                <a:solidFill>
+                  <a:srgbClr val="5AA263"/>
+                </a:solidFill>
+                <a:latin typeface="Montserrat"/>
+                <a:ea typeface="Montserrat"/>
+                <a:cs typeface="Montserrat"/>
+                <a:sym typeface="Montserrat"/>
+              </a:rPr>
+              <a:t>Promotes efficiency, and protects the privacy of students</a:t>
+            </a:r>
+            <a:endParaRPr>
+              <a:solidFill>
+                <a:srgbClr val="5AA263"/>
+              </a:solidFill>
+              <a:latin typeface="Montserrat"/>
+              <a:ea typeface="Montserrat"/>
+              <a:cs typeface="Montserrat"/>
+              <a:sym typeface="Montserrat"/>
+            </a:endParaRPr>
+          </a:p>
+          <a:p>
+            <a:pPr indent="-342900" lvl="0" marL="457200" rtl="0" algn="l">
+              <a:spcBef>
+                <a:spcPts val="1000"/>
+              </a:spcBef>
+              <a:spcAft>
+                <a:spcPts val="0"/>
+              </a:spcAft>
+              <a:buClr>
+                <a:srgbClr val="5AA263"/>
+              </a:buClr>
+              <a:buSzPts val="1800"/>
+              <a:buFont typeface="Montserrat"/>
+              <a:buChar char="●"/>
+            </a:pPr>
+            <a:r>
+              <a:rPr lang="en">
+                <a:solidFill>
+                  <a:srgbClr val="5AA263"/>
+                </a:solidFill>
+                <a:latin typeface="Montserrat"/>
+                <a:ea typeface="Montserrat"/>
+                <a:cs typeface="Montserrat"/>
+                <a:sym typeface="Montserrat"/>
+              </a:rPr>
+              <a:t>Transparency</a:t>
+            </a:r>
+            <a:endParaRPr>
+              <a:solidFill>
+                <a:srgbClr val="5AA263"/>
+              </a:solidFill>
+              <a:latin typeface="Montserrat"/>
+              <a:ea typeface="Montserrat"/>
+              <a:cs typeface="Montserrat"/>
+              <a:sym typeface="Montserrat"/>
+            </a:endParaRPr>
+          </a:p>
+          <a:p>
+            <a:pPr indent="-317500" lvl="1" marL="914400" rtl="0" algn="l">
+              <a:lnSpc>
+                <a:spcPct val="150000"/>
+              </a:lnSpc>
+              <a:spcBef>
+                <a:spcPts val="0"/>
+              </a:spcBef>
+              <a:spcAft>
+                <a:spcPts val="0"/>
+              </a:spcAft>
+              <a:buClr>
+                <a:srgbClr val="5AA263"/>
+              </a:buClr>
+              <a:buSzPts val="1400"/>
+              <a:buFont typeface="Montserrat"/>
+              <a:buChar char="○"/>
+            </a:pPr>
+            <a:r>
+              <a:rPr lang="en">
+                <a:solidFill>
+                  <a:srgbClr val="5AA263"/>
+                </a:solidFill>
+                <a:latin typeface="Montserrat"/>
+                <a:ea typeface="Montserrat"/>
+                <a:cs typeface="Montserrat"/>
+                <a:sym typeface="Montserrat"/>
+              </a:rPr>
+              <a:t>Simple design, moderately intuitive, and ample documentation</a:t>
+            </a:r>
+            <a:endParaRPr>
+              <a:solidFill>
+                <a:srgbClr val="5AA263"/>
+              </a:solidFill>
+              <a:latin typeface="Montserrat"/>
+              <a:ea typeface="Montserrat"/>
+              <a:cs typeface="Montserrat"/>
+              <a:sym typeface="Montserrat"/>
+            </a:endParaRPr>
+          </a:p>
+          <a:p>
+            <a:pPr indent="-342900" lvl="0" marL="457200" rtl="0" algn="l">
+              <a:spcBef>
+                <a:spcPts val="1000"/>
+              </a:spcBef>
+              <a:spcAft>
+                <a:spcPts val="0"/>
+              </a:spcAft>
+              <a:buClr>
+                <a:srgbClr val="5AA263"/>
+              </a:buClr>
+              <a:buSzPts val="1800"/>
+              <a:buFont typeface="Montserrat"/>
+              <a:buChar char="●"/>
+            </a:pPr>
+            <a:r>
+              <a:rPr lang="en">
+                <a:solidFill>
+                  <a:srgbClr val="5AA263"/>
+                </a:solidFill>
+                <a:latin typeface="Montserrat"/>
+                <a:ea typeface="Montserrat"/>
+                <a:cs typeface="Montserrat"/>
+                <a:sym typeface="Montserrat"/>
+              </a:rPr>
+              <a:t>Trust</a:t>
+            </a:r>
+            <a:endParaRPr>
+              <a:solidFill>
+                <a:srgbClr val="5AA263"/>
+              </a:solidFill>
+              <a:latin typeface="Montserrat"/>
+              <a:ea typeface="Montserrat"/>
+              <a:cs typeface="Montserrat"/>
+              <a:sym typeface="Montserrat"/>
+            </a:endParaRPr>
+          </a:p>
+          <a:p>
+            <a:pPr indent="-317500" lvl="1" marL="914400" rtl="0" algn="l">
+              <a:lnSpc>
+                <a:spcPct val="150000"/>
+              </a:lnSpc>
+              <a:spcBef>
+                <a:spcPts val="0"/>
+              </a:spcBef>
+              <a:spcAft>
+                <a:spcPts val="0"/>
+              </a:spcAft>
+              <a:buClr>
+                <a:srgbClr val="5AA263"/>
+              </a:buClr>
+              <a:buSzPts val="1400"/>
+              <a:buFont typeface="Montserrat"/>
+              <a:buChar char="○"/>
+            </a:pPr>
+            <a:r>
+              <a:rPr lang="en">
+                <a:solidFill>
+                  <a:srgbClr val="5AA263"/>
+                </a:solidFill>
+                <a:latin typeface="Montserrat"/>
+                <a:ea typeface="Montserrat"/>
+                <a:cs typeface="Montserrat"/>
+                <a:sym typeface="Montserrat"/>
+              </a:rPr>
+              <a:t>Reliable, end-to-end tested, and consistent results</a:t>
+            </a:r>
+            <a:endParaRPr>
+              <a:solidFill>
+                <a:srgbClr val="5AA263"/>
+              </a:solidFill>
+              <a:latin typeface="Montserrat"/>
+              <a:ea typeface="Montserrat"/>
+              <a:cs typeface="Montserrat"/>
+              <a:sym typeface="Montserrat"/>
+            </a:endParaRPr>
           </a:p>
         </p:txBody>
       </p:sp>
@@ -5635,6 +9759,285 @@
 </file>
 
 <file path=ppt/theme/theme1.xml><?xml version="1.0" encoding="utf-8"?>
+<a:theme xmlns:a="http://schemas.openxmlformats.org/drawingml/2006/main" xmlns:r="http://schemas.openxmlformats.org/officeDocument/2006/relationships" name="Simple Dark">
+  <a:themeElements>
+    <a:clrScheme name="Simple Dark">
+      <a:dk1>
+        <a:srgbClr val="FFFFFF"/>
+      </a:dk1>
+      <a:lt1>
+        <a:srgbClr val="212121"/>
+      </a:lt1>
+      <a:dk2>
+        <a:srgbClr val="303030"/>
+      </a:dk2>
+      <a:lt2>
+        <a:srgbClr val="ADADAD"/>
+      </a:lt2>
+      <a:accent1>
+        <a:srgbClr val="009688"/>
+      </a:accent1>
+      <a:accent2>
+        <a:srgbClr val="EEEEEE"/>
+      </a:accent2>
+      <a:accent3>
+        <a:srgbClr val="78909C"/>
+      </a:accent3>
+      <a:accent4>
+        <a:srgbClr val="FFAB40"/>
+      </a:accent4>
+      <a:accent5>
+        <a:srgbClr val="4DD0E1"/>
+      </a:accent5>
+      <a:accent6>
+        <a:srgbClr val="EEFF41"/>
+      </a:accent6>
+      <a:hlink>
+        <a:srgbClr val="4DD0E1"/>
+      </a:hlink>
+      <a:folHlink>
+        <a:srgbClr val="4DD0E1"/>
+      </a:folHlink>
+    </a:clrScheme>
+    <a:fontScheme name="Office">
+      <a:majorFont>
+        <a:latin typeface="Arial"/>
+        <a:ea typeface=""/>
+        <a:cs typeface=""/>
+        <a:font script="Jpan" typeface="ＭＳ Ｐゴシック"/>
+        <a:font script="Hang" typeface="맑은 고딕"/>
+        <a:font script="Hans" typeface="宋体"/>
+        <a:font script="Hant" typeface="新細明體"/>
+        <a:font script="Arab" typeface="Times New Roman"/>
+        <a:font script="Hebr" typeface="Times New Roman"/>
+        <a:font script="Thai" typeface="Angsana New"/>
+        <a:font script="Ethi" typeface="Nyala"/>
+        <a:font script="Beng" typeface="Vrinda"/>
+        <a:font script="Gujr" typeface="Shruti"/>
+        <a:font script="Khmr" typeface="MoolBoran"/>
+        <a:font script="Knda" typeface="Tunga"/>
+        <a:font script="Guru" typeface="Raavi"/>
+        <a:font script="Cans" typeface="Euphemia"/>
+        <a:font script="Cher" typeface="Plantagenet Cherokee"/>
+        <a:font script="Yiii" typeface="Microsoft Yi Baiti"/>
+        <a:font script="Tibt" typeface="Microsoft Himalaya"/>
+        <a:font script="Thaa" typeface="MV Boli"/>
+        <a:font script="Deva" typeface="Mangal"/>
+        <a:font script="Telu" typeface="Gautami"/>
+        <a:font script="Taml" typeface="Latha"/>
+        <a:font script="Syrc" typeface="Estrangelo Edessa"/>
+        <a:font script="Orya" typeface="Kalinga"/>
+        <a:font script="Mlym" typeface="Kartika"/>
+        <a:font script="Laoo" typeface="DokChampa"/>
+        <a:font script="Sinh" typeface="Iskoola Pota"/>
+        <a:font script="Mong" typeface="Mongolian Baiti"/>
+        <a:font script="Viet" typeface="Times New Roman"/>
+        <a:font script="Uigh" typeface="Microsoft Uighur"/>
+        <a:font script="Geor" typeface="Sylfaen"/>
+      </a:majorFont>
+      <a:minorFont>
+        <a:latin typeface="Arial"/>
+        <a:ea typeface=""/>
+        <a:cs typeface=""/>
+        <a:font script="Jpan" typeface="ＭＳ Ｐゴシック"/>
+        <a:font script="Hang" typeface="맑은 고딕"/>
+        <a:font script="Hans" typeface="宋体"/>
+        <a:font script="Hant" typeface="新細明體"/>
+        <a:font script="Arab" typeface="Arial"/>
+        <a:font script="Hebr" typeface="Arial"/>
+        <a:font script="Thai" typeface="Cordia New"/>
+        <a:font script="Ethi" typeface="Nyala"/>
+        <a:font script="Beng" typeface="Vrinda"/>
+        <a:font script="Gujr" typeface="Shruti"/>
+        <a:font script="Khmr" typeface="DaunPenh"/>
+        <a:font script="Knda" typeface="Tunga"/>
+        <a:font script="Guru" typeface="Raavi"/>
+        <a:font script="Cans" typeface="Euphemia"/>
+        <a:font script="Cher" typeface="Plantagenet Cherokee"/>
+        <a:font script="Yiii" typeface="Microsoft Yi Baiti"/>
+        <a:font script="Tibt" typeface="Microsoft Himalaya"/>
+        <a:font script="Thaa" typeface="MV Boli"/>
+        <a:font script="Deva" typeface="Mangal"/>
+        <a:font script="Telu" typeface="Gautami"/>
+        <a:font script="Taml" typeface="Latha"/>
+        <a:font script="Syrc" typeface="Estrangelo Edessa"/>
+        <a:font script="Orya" typeface="Kalinga"/>
+        <a:font script="Mlym" typeface="Kartika"/>
+        <a:font script="Laoo" typeface="DokChampa"/>
+        <a:font script="Sinh" typeface="Iskoola Pota"/>
+        <a:font script="Mong" typeface="Mongolian Baiti"/>
+        <a:font script="Viet" typeface="Arial"/>
+        <a:font script="Uigh" typeface="Microsoft Uighur"/>
+        <a:font script="Geor" typeface="Sylfaen"/>
+      </a:minorFont>
+    </a:fontScheme>
+    <a:fmtScheme name="Office">
+      <a:fillStyleLst>
+        <a:solidFill>
+          <a:schemeClr val="phClr"/>
+        </a:solidFill>
+        <a:gradFill rotWithShape="1">
+          <a:gsLst>
+            <a:gs pos="0">
+              <a:schemeClr val="phClr">
+                <a:tint val="50000"/>
+                <a:satMod val="300000"/>
+              </a:schemeClr>
+            </a:gs>
+            <a:gs pos="35000">
+              <a:schemeClr val="phClr">
+                <a:tint val="37000"/>
+                <a:satMod val="300000"/>
+              </a:schemeClr>
+            </a:gs>
+            <a:gs pos="100000">
+              <a:schemeClr val="phClr">
+                <a:tint val="15000"/>
+                <a:satMod val="350000"/>
+              </a:schemeClr>
+            </a:gs>
+          </a:gsLst>
+          <a:lin ang="16200000" scaled="1"/>
+        </a:gradFill>
+        <a:gradFill rotWithShape="1">
+          <a:gsLst>
+            <a:gs pos="0">
+              <a:schemeClr val="phClr">
+                <a:tint val="100000"/>
+                <a:shade val="100000"/>
+                <a:satMod val="130000"/>
+              </a:schemeClr>
+            </a:gs>
+            <a:gs pos="100000">
+              <a:schemeClr val="phClr">
+                <a:tint val="50000"/>
+                <a:shade val="100000"/>
+                <a:satMod val="350000"/>
+              </a:schemeClr>
+            </a:gs>
+          </a:gsLst>
+          <a:lin ang="16200000" scaled="0"/>
+        </a:gradFill>
+      </a:fillStyleLst>
+      <a:lnStyleLst>
+        <a:ln w="9525" cap="flat" cmpd="sng" algn="ctr">
+          <a:solidFill>
+            <a:schemeClr val="phClr">
+              <a:shade val="95000"/>
+              <a:satMod val="105000"/>
+            </a:schemeClr>
+          </a:solidFill>
+          <a:prstDash val="solid"/>
+        </a:ln>
+        <a:ln w="25400" cap="flat" cmpd="sng" algn="ctr">
+          <a:solidFill>
+            <a:schemeClr val="phClr"/>
+          </a:solidFill>
+          <a:prstDash val="solid"/>
+        </a:ln>
+        <a:ln w="38100" cap="flat" cmpd="sng" algn="ctr">
+          <a:solidFill>
+            <a:schemeClr val="phClr"/>
+          </a:solidFill>
+          <a:prstDash val="solid"/>
+        </a:ln>
+      </a:lnStyleLst>
+      <a:effectStyleLst>
+        <a:effectStyle>
+          <a:effectLst>
+            <a:outerShdw blurRad="40000" dist="20000" dir="5400000" rotWithShape="0">
+              <a:srgbClr val="000000">
+                <a:alpha val="38000"/>
+              </a:srgbClr>
+            </a:outerShdw>
+          </a:effectLst>
+        </a:effectStyle>
+        <a:effectStyle>
+          <a:effectLst>
+            <a:outerShdw blurRad="40000" dist="23000" dir="5400000" rotWithShape="0">
+              <a:srgbClr val="000000">
+                <a:alpha val="35000"/>
+              </a:srgbClr>
+            </a:outerShdw>
+          </a:effectLst>
+        </a:effectStyle>
+        <a:effectStyle>
+          <a:effectLst>
+            <a:outerShdw blurRad="40000" dist="23000" dir="5400000" rotWithShape="0">
+              <a:srgbClr val="000000">
+                <a:alpha val="35000"/>
+              </a:srgbClr>
+            </a:outerShdw>
+          </a:effectLst>
+          <a:scene3d>
+            <a:camera prst="orthographicFront">
+              <a:rot lat="0" lon="0" rev="0"/>
+            </a:camera>
+            <a:lightRig rig="threePt" dir="t">
+              <a:rot lat="0" lon="0" rev="1200000"/>
+            </a:lightRig>
+          </a:scene3d>
+          <a:sp3d>
+            <a:bevelT w="63500" h="25400"/>
+          </a:sp3d>
+        </a:effectStyle>
+      </a:effectStyleLst>
+      <a:bgFillStyleLst>
+        <a:solidFill>
+          <a:schemeClr val="phClr"/>
+        </a:solidFill>
+        <a:gradFill rotWithShape="1">
+          <a:gsLst>
+            <a:gs pos="0">
+              <a:schemeClr val="phClr">
+                <a:tint val="40000"/>
+                <a:satMod val="350000"/>
+              </a:schemeClr>
+            </a:gs>
+            <a:gs pos="40000">
+              <a:schemeClr val="phClr">
+                <a:tint val="45000"/>
+                <a:shade val="99000"/>
+                <a:satMod val="350000"/>
+              </a:schemeClr>
+            </a:gs>
+            <a:gs pos="100000">
+              <a:schemeClr val="phClr">
+                <a:shade val="20000"/>
+                <a:satMod val="255000"/>
+              </a:schemeClr>
+            </a:gs>
+          </a:gsLst>
+          <a:path path="circle">
+            <a:fillToRect l="50000" t="-80000" r="50000" b="180000"/>
+          </a:path>
+        </a:gradFill>
+        <a:gradFill rotWithShape="1">
+          <a:gsLst>
+            <a:gs pos="0">
+              <a:schemeClr val="phClr">
+                <a:tint val="80000"/>
+                <a:satMod val="300000"/>
+              </a:schemeClr>
+            </a:gs>
+            <a:gs pos="100000">
+              <a:schemeClr val="phClr">
+                <a:shade val="30000"/>
+                <a:satMod val="200000"/>
+              </a:schemeClr>
+            </a:gs>
+          </a:gsLst>
+          <a:path path="circle">
+            <a:fillToRect l="50000" t="50000" r="50000" b="50000"/>
+          </a:path>
+        </a:gradFill>
+      </a:bgFillStyleLst>
+    </a:fmtScheme>
+  </a:themeElements>
+</a:theme>
+</file>
+
+<file path=ppt/theme/theme2.xml><?xml version="1.0" encoding="utf-8"?>
 <a:theme xmlns:a="http://schemas.openxmlformats.org/drawingml/2006/main" xmlns:r="http://schemas.openxmlformats.org/officeDocument/2006/relationships">
   <a:themeElements>
     <a:clrScheme name="Default">
@@ -5911,283 +10314,4 @@
     </a:fmtScheme>
   </a:themeElements>
 </a:theme>
-</file>
-
-<file path=ppt/theme/theme2.xml><?xml version="1.0" encoding="utf-8"?>
-<a:theme xmlns:a="http://schemas.openxmlformats.org/drawingml/2006/main" xmlns:r="http://schemas.openxmlformats.org/officeDocument/2006/relationships" name="Simple Dark">
-  <a:themeElements>
-    <a:clrScheme name="Simple Dark">
-      <a:dk1>
-        <a:srgbClr val="FFFFFF"/>
-      </a:dk1>
-      <a:lt1>
-        <a:srgbClr val="212121"/>
-      </a:lt1>
-      <a:dk2>
-        <a:srgbClr val="303030"/>
-      </a:dk2>
-      <a:lt2>
-        <a:srgbClr val="ADADAD"/>
-      </a:lt2>
-      <a:accent1>
-        <a:srgbClr val="009688"/>
-      </a:accent1>
-      <a:accent2>
-        <a:srgbClr val="EEEEEE"/>
-      </a:accent2>
-      <a:accent3>
-        <a:srgbClr val="78909C"/>
-      </a:accent3>
-      <a:accent4>
-        <a:srgbClr val="FFAB40"/>
-      </a:accent4>
-      <a:accent5>
-        <a:srgbClr val="4DD0E1"/>
-      </a:accent5>
-      <a:accent6>
-        <a:srgbClr val="EEFF41"/>
-      </a:accent6>
-      <a:hlink>
-        <a:srgbClr val="4DD0E1"/>
-      </a:hlink>
-      <a:folHlink>
-        <a:srgbClr val="4DD0E1"/>
-      </a:folHlink>
-    </a:clrScheme>
-    <a:fontScheme name="Office">
-      <a:majorFont>
-        <a:latin typeface="Arial"/>
-        <a:ea typeface=""/>
-        <a:cs typeface=""/>
-        <a:font script="Jpan" typeface="ＭＳ Ｐゴシック"/>
-        <a:font script="Hang" typeface="맑은 고딕"/>
-        <a:font script="Hans" typeface="宋体"/>
-        <a:font script="Hant" typeface="新細明體"/>
-        <a:font script="Arab" typeface="Times New Roman"/>
-        <a:font script="Hebr" typeface="Times New Roman"/>
-        <a:font script="Thai" typeface="Angsana New"/>
-        <a:font script="Ethi" typeface="Nyala"/>
-        <a:font script="Beng" typeface="Vrinda"/>
-        <a:font script="Gujr" typeface="Shruti"/>
-        <a:font script="Khmr" typeface="MoolBoran"/>
-        <a:font script="Knda" typeface="Tunga"/>
-        <a:font script="Guru" typeface="Raavi"/>
-        <a:font script="Cans" typeface="Euphemia"/>
-        <a:font script="Cher" typeface="Plantagenet Cherokee"/>
-        <a:font script="Yiii" typeface="Microsoft Yi Baiti"/>
-        <a:font script="Tibt" typeface="Microsoft Himalaya"/>
-        <a:font script="Thaa" typeface="MV Boli"/>
-        <a:font script="Deva" typeface="Mangal"/>
-        <a:font script="Telu" typeface="Gautami"/>
-        <a:font script="Taml" typeface="Latha"/>
-        <a:font script="Syrc" typeface="Estrangelo Edessa"/>
-        <a:font script="Orya" typeface="Kalinga"/>
-        <a:font script="Mlym" typeface="Kartika"/>
-        <a:font script="Laoo" typeface="DokChampa"/>
-        <a:font script="Sinh" typeface="Iskoola Pota"/>
-        <a:font script="Mong" typeface="Mongolian Baiti"/>
-        <a:font script="Viet" typeface="Times New Roman"/>
-        <a:font script="Uigh" typeface="Microsoft Uighur"/>
-        <a:font script="Geor" typeface="Sylfaen"/>
-      </a:majorFont>
-      <a:minorFont>
-        <a:latin typeface="Arial"/>
-        <a:ea typeface=""/>
-        <a:cs typeface=""/>
-        <a:font script="Jpan" typeface="ＭＳ Ｐゴシック"/>
-        <a:font script="Hang" typeface="맑은 고딕"/>
-        <a:font script="Hans" typeface="宋体"/>
-        <a:font script="Hant" typeface="新細明體"/>
-        <a:font script="Arab" typeface="Arial"/>
-        <a:font script="Hebr" typeface="Arial"/>
-        <a:font script="Thai" typeface="Cordia New"/>
-        <a:font script="Ethi" typeface="Nyala"/>
-        <a:font script="Beng" typeface="Vrinda"/>
-        <a:font script="Gujr" typeface="Shruti"/>
-        <a:font script="Khmr" typeface="DaunPenh"/>
-        <a:font script="Knda" typeface="Tunga"/>
-        <a:font script="Guru" typeface="Raavi"/>
-        <a:font script="Cans" typeface="Euphemia"/>
-        <a:font script="Cher" typeface="Plantagenet Cherokee"/>
-        <a:font script="Yiii" typeface="Microsoft Yi Baiti"/>
-        <a:font script="Tibt" typeface="Microsoft Himalaya"/>
-        <a:font script="Thaa" typeface="MV Boli"/>
-        <a:font script="Deva" typeface="Mangal"/>
-        <a:font script="Telu" typeface="Gautami"/>
-        <a:font script="Taml" typeface="Latha"/>
-        <a:font script="Syrc" typeface="Estrangelo Edessa"/>
-        <a:font script="Orya" typeface="Kalinga"/>
-        <a:font script="Mlym" typeface="Kartika"/>
-        <a:font script="Laoo" typeface="DokChampa"/>
-        <a:font script="Sinh" typeface="Iskoola Pota"/>
-        <a:font script="Mong" typeface="Mongolian Baiti"/>
-        <a:font script="Viet" typeface="Arial"/>
-        <a:font script="Uigh" typeface="Microsoft Uighur"/>
-        <a:font script="Geor" typeface="Sylfaen"/>
-      </a:minorFont>
-    </a:fontScheme>
-    <a:fmtScheme name="Office">
-      <a:fillStyleLst>
-        <a:solidFill>
-          <a:schemeClr val="phClr"/>
-        </a:solidFill>
-        <a:gradFill rotWithShape="1">
-          <a:gsLst>
-            <a:gs pos="0">
-              <a:schemeClr val="phClr">
-                <a:tint val="50000"/>
-                <a:satMod val="300000"/>
-              </a:schemeClr>
-            </a:gs>
-            <a:gs pos="35000">
-              <a:schemeClr val="phClr">
-                <a:tint val="37000"/>
-                <a:satMod val="300000"/>
-              </a:schemeClr>
-            </a:gs>
-            <a:gs pos="100000">
-              <a:schemeClr val="phClr">
-                <a:tint val="15000"/>
-                <a:satMod val="350000"/>
-              </a:schemeClr>
-            </a:gs>
-          </a:gsLst>
-          <a:lin ang="16200000" scaled="1"/>
-        </a:gradFill>
-        <a:gradFill rotWithShape="1">
-          <a:gsLst>
-            <a:gs pos="0">
-              <a:schemeClr val="phClr">
-                <a:tint val="100000"/>
-                <a:shade val="100000"/>
-                <a:satMod val="130000"/>
-              </a:schemeClr>
-            </a:gs>
-            <a:gs pos="100000">
-              <a:schemeClr val="phClr">
-                <a:tint val="50000"/>
-                <a:shade val="100000"/>
-                <a:satMod val="350000"/>
-              </a:schemeClr>
-            </a:gs>
-          </a:gsLst>
-          <a:lin ang="16200000" scaled="0"/>
-        </a:gradFill>
-      </a:fillStyleLst>
-      <a:lnStyleLst>
-        <a:ln w="9525" cap="flat" cmpd="sng" algn="ctr">
-          <a:solidFill>
-            <a:schemeClr val="phClr">
-              <a:shade val="95000"/>
-              <a:satMod val="105000"/>
-            </a:schemeClr>
-          </a:solidFill>
-          <a:prstDash val="solid"/>
-        </a:ln>
-        <a:ln w="25400" cap="flat" cmpd="sng" algn="ctr">
-          <a:solidFill>
-            <a:schemeClr val="phClr"/>
-          </a:solidFill>
-          <a:prstDash val="solid"/>
-        </a:ln>
-        <a:ln w="38100" cap="flat" cmpd="sng" algn="ctr">
-          <a:solidFill>
-            <a:schemeClr val="phClr"/>
-          </a:solidFill>
-          <a:prstDash val="solid"/>
-        </a:ln>
-      </a:lnStyleLst>
-      <a:effectStyleLst>
-        <a:effectStyle>
-          <a:effectLst>
-            <a:outerShdw blurRad="40000" dist="20000" dir="5400000" rotWithShape="0">
-              <a:srgbClr val="000000">
-                <a:alpha val="38000"/>
-              </a:srgbClr>
-            </a:outerShdw>
-          </a:effectLst>
-        </a:effectStyle>
-        <a:effectStyle>
-          <a:effectLst>
-            <a:outerShdw blurRad="40000" dist="23000" dir="5400000" rotWithShape="0">
-              <a:srgbClr val="000000">
-                <a:alpha val="35000"/>
-              </a:srgbClr>
-            </a:outerShdw>
-          </a:effectLst>
-        </a:effectStyle>
-        <a:effectStyle>
-          <a:effectLst>
-            <a:outerShdw blurRad="40000" dist="23000" dir="5400000" rotWithShape="0">
-              <a:srgbClr val="000000">
-                <a:alpha val="35000"/>
-              </a:srgbClr>
-            </a:outerShdw>
-          </a:effectLst>
-          <a:scene3d>
-            <a:camera prst="orthographicFront">
-              <a:rot lat="0" lon="0" rev="0"/>
-            </a:camera>
-            <a:lightRig rig="threePt" dir="t">
-              <a:rot lat="0" lon="0" rev="1200000"/>
-            </a:lightRig>
-          </a:scene3d>
-          <a:sp3d>
-            <a:bevelT w="63500" h="25400"/>
-          </a:sp3d>
-        </a:effectStyle>
-      </a:effectStyleLst>
-      <a:bgFillStyleLst>
-        <a:solidFill>
-          <a:schemeClr val="phClr"/>
-        </a:solidFill>
-        <a:gradFill rotWithShape="1">
-          <a:gsLst>
-            <a:gs pos="0">
-              <a:schemeClr val="phClr">
-                <a:tint val="40000"/>
-                <a:satMod val="350000"/>
-              </a:schemeClr>
-            </a:gs>
-            <a:gs pos="40000">
-              <a:schemeClr val="phClr">
-                <a:tint val="45000"/>
-                <a:shade val="99000"/>
-                <a:satMod val="350000"/>
-              </a:schemeClr>
-            </a:gs>
-            <a:gs pos="100000">
-              <a:schemeClr val="phClr">
-                <a:shade val="20000"/>
-                <a:satMod val="255000"/>
-              </a:schemeClr>
-            </a:gs>
-          </a:gsLst>
-          <a:path path="circle">
-            <a:fillToRect l="50000" t="-80000" r="50000" b="180000"/>
-          </a:path>
-        </a:gradFill>
-        <a:gradFill rotWithShape="1">
-          <a:gsLst>
-            <a:gs pos="0">
-              <a:schemeClr val="phClr">
-                <a:tint val="80000"/>
-                <a:satMod val="300000"/>
-              </a:schemeClr>
-            </a:gs>
-            <a:gs pos="100000">
-              <a:schemeClr val="phClr">
-                <a:shade val="30000"/>
-                <a:satMod val="200000"/>
-              </a:schemeClr>
-            </a:gs>
-          </a:gsLst>
-          <a:path path="circle">
-            <a:fillToRect l="50000" t="50000" r="50000" b="50000"/>
-          </a:path>
-        </a:gradFill>
-      </a:bgFillStyleLst>
-    </a:fmtScheme>
-  </a:themeElements>
-</a:theme>
 </file>